--- a/assets/img/map.pptx
+++ b/assets/img/map.pptx
@@ -107,6 +107,11 @@
       </a:defRPr>
     </a:lvl9pPr>
   </p:defaultTextStyle>
+  <p:extLst>
+    <p:ext uri="{EFAFB233-063F-42B5-8137-9DF3F51BA10A}">
+      <p15:sldGuideLst xmlns:p15="http://schemas.microsoft.com/office/powerpoint/2012/main"/>
+    </p:ext>
+  </p:extLst>
 </p:presentation>
 </file>
 
@@ -192,7 +197,7 @@
           <a:p>
             <a:fld id="{9951BB39-A2A0-D945-A1E2-F50BEE2BDDCC}" type="datetimeFigureOut">
               <a:rPr lang="it-IT" smtClean="0"/>
-              <a:t>24/05/21</a:t>
+              <a:t>25/02/2023</a:t>
             </a:fld>
             <a:endParaRPr lang="it-IT"/>
           </a:p>
@@ -674,7 +679,7 @@
           <a:p>
             <a:fld id="{E087C00B-4A7C-FD49-9539-382FB6D91E34}" type="datetimeFigureOut">
               <a:rPr lang="it-IT" smtClean="0"/>
-              <a:t>24/05/21</a:t>
+              <a:t>25/02/2023</a:t>
             </a:fld>
             <a:endParaRPr lang="it-IT"/>
           </a:p>
@@ -844,7 +849,7 @@
           <a:p>
             <a:fld id="{E087C00B-4A7C-FD49-9539-382FB6D91E34}" type="datetimeFigureOut">
               <a:rPr lang="it-IT" smtClean="0"/>
-              <a:t>24/05/21</a:t>
+              <a:t>25/02/2023</a:t>
             </a:fld>
             <a:endParaRPr lang="it-IT"/>
           </a:p>
@@ -1024,7 +1029,7 @@
           <a:p>
             <a:fld id="{E087C00B-4A7C-FD49-9539-382FB6D91E34}" type="datetimeFigureOut">
               <a:rPr lang="it-IT" smtClean="0"/>
-              <a:t>24/05/21</a:t>
+              <a:t>25/02/2023</a:t>
             </a:fld>
             <a:endParaRPr lang="it-IT"/>
           </a:p>
@@ -1194,7 +1199,7 @@
           <a:p>
             <a:fld id="{E087C00B-4A7C-FD49-9539-382FB6D91E34}" type="datetimeFigureOut">
               <a:rPr lang="it-IT" smtClean="0"/>
-              <a:t>24/05/21</a:t>
+              <a:t>25/02/2023</a:t>
             </a:fld>
             <a:endParaRPr lang="it-IT"/>
           </a:p>
@@ -1440,7 +1445,7 @@
           <a:p>
             <a:fld id="{E087C00B-4A7C-FD49-9539-382FB6D91E34}" type="datetimeFigureOut">
               <a:rPr lang="it-IT" smtClean="0"/>
-              <a:t>24/05/21</a:t>
+              <a:t>25/02/2023</a:t>
             </a:fld>
             <a:endParaRPr lang="it-IT"/>
           </a:p>
@@ -1672,7 +1677,7 @@
           <a:p>
             <a:fld id="{E087C00B-4A7C-FD49-9539-382FB6D91E34}" type="datetimeFigureOut">
               <a:rPr lang="it-IT" smtClean="0"/>
-              <a:t>24/05/21</a:t>
+              <a:t>25/02/2023</a:t>
             </a:fld>
             <a:endParaRPr lang="it-IT"/>
           </a:p>
@@ -2039,7 +2044,7 @@
           <a:p>
             <a:fld id="{E087C00B-4A7C-FD49-9539-382FB6D91E34}" type="datetimeFigureOut">
               <a:rPr lang="it-IT" smtClean="0"/>
-              <a:t>24/05/21</a:t>
+              <a:t>25/02/2023</a:t>
             </a:fld>
             <a:endParaRPr lang="it-IT"/>
           </a:p>
@@ -2157,7 +2162,7 @@
           <a:p>
             <a:fld id="{E087C00B-4A7C-FD49-9539-382FB6D91E34}" type="datetimeFigureOut">
               <a:rPr lang="it-IT" smtClean="0"/>
-              <a:t>24/05/21</a:t>
+              <a:t>25/02/2023</a:t>
             </a:fld>
             <a:endParaRPr lang="it-IT"/>
           </a:p>
@@ -2252,7 +2257,7 @@
           <a:p>
             <a:fld id="{E087C00B-4A7C-FD49-9539-382FB6D91E34}" type="datetimeFigureOut">
               <a:rPr lang="it-IT" smtClean="0"/>
-              <a:t>24/05/21</a:t>
+              <a:t>25/02/2023</a:t>
             </a:fld>
             <a:endParaRPr lang="it-IT"/>
           </a:p>
@@ -2529,7 +2534,7 @@
           <a:p>
             <a:fld id="{E087C00B-4A7C-FD49-9539-382FB6D91E34}" type="datetimeFigureOut">
               <a:rPr lang="it-IT" smtClean="0"/>
-              <a:t>24/05/21</a:t>
+              <a:t>25/02/2023</a:t>
             </a:fld>
             <a:endParaRPr lang="it-IT"/>
           </a:p>
@@ -2786,7 +2791,7 @@
           <a:p>
             <a:fld id="{E087C00B-4A7C-FD49-9539-382FB6D91E34}" type="datetimeFigureOut">
               <a:rPr lang="it-IT" smtClean="0"/>
-              <a:t>24/05/21</a:t>
+              <a:t>25/02/2023</a:t>
             </a:fld>
             <a:endParaRPr lang="it-IT"/>
           </a:p>
@@ -2999,7 +3004,7 @@
           <a:p>
             <a:fld id="{E087C00B-4A7C-FD49-9539-382FB6D91E34}" type="datetimeFigureOut">
               <a:rPr lang="it-IT" smtClean="0"/>
-              <a:t>24/05/21</a:t>
+              <a:t>25/02/2023</a:t>
             </a:fld>
             <a:endParaRPr lang="it-IT"/>
           </a:p>
@@ -8614,9 +8619,2374 @@
             <a:avLst/>
           </a:prstGeom>
           <a:solidFill>
+            <a:schemeClr val="tx2">
+              <a:lumMod val="20000"/>
+              <a:lumOff val="80000"/>
+            </a:schemeClr>
+          </a:solidFill>
+          <a:ln w="38100">
+            <a:solidFill>
+              <a:schemeClr val="tx2">
+                <a:lumMod val="75000"/>
+              </a:schemeClr>
+            </a:solidFill>
+          </a:ln>
+        </p:spPr>
+        <p:style>
+          <a:lnRef idx="2">
+            <a:schemeClr val="accent1">
+              <a:shade val="50000"/>
+            </a:schemeClr>
+          </a:lnRef>
+          <a:fillRef idx="1">
+            <a:schemeClr val="accent1"/>
+          </a:fillRef>
+          <a:effectRef idx="0">
+            <a:schemeClr val="accent1"/>
+          </a:effectRef>
+          <a:fontRef idx="minor">
+            <a:schemeClr val="lt1"/>
+          </a:fontRef>
+        </p:style>
+        <p:txBody>
+          <a:bodyPr rtlCol="0" anchor="ctr"/>
+          <a:lstStyle/>
+          <a:p>
+            <a:pPr algn="ctr"/>
+            <a:endParaRPr lang="it-IT" sz="800" dirty="0">
+              <a:solidFill>
+                <a:schemeClr val="tx1"/>
+              </a:solidFill>
+              <a:latin typeface="Bahnschrift" panose="020B0502040204020203" pitchFamily="34" charset="0"/>
+            </a:endParaRPr>
+          </a:p>
+        </p:txBody>
+      </p:sp>
+      <p:sp>
+        <p:nvSpPr>
+          <p:cNvPr id="98" name="Rettangolo 97">
+            <a:extLst>
+              <a:ext uri="{FF2B5EF4-FFF2-40B4-BE49-F238E27FC236}">
+                <a16:creationId xmlns:a16="http://schemas.microsoft.com/office/drawing/2014/main" id="{083E6B15-BF30-9940-90BC-3506A98F6E1D}"/>
+              </a:ext>
+            </a:extLst>
+          </p:cNvPr>
+          <p:cNvSpPr/>
+          <p:nvPr/>
+        </p:nvSpPr>
+        <p:spPr>
+          <a:xfrm>
+            <a:off x="2443599" y="1416469"/>
+            <a:ext cx="994847" cy="598102"/>
+          </a:xfrm>
+          <a:prstGeom prst="rect">
+            <a:avLst/>
+          </a:prstGeom>
+          <a:solidFill>
+            <a:schemeClr val="tx2">
+              <a:lumMod val="20000"/>
+              <a:lumOff val="80000"/>
+            </a:schemeClr>
+          </a:solidFill>
+          <a:ln w="38100">
+            <a:solidFill>
+              <a:schemeClr val="tx2">
+                <a:lumMod val="75000"/>
+              </a:schemeClr>
+            </a:solidFill>
+          </a:ln>
+        </p:spPr>
+        <p:style>
+          <a:lnRef idx="2">
+            <a:schemeClr val="accent1">
+              <a:shade val="50000"/>
+            </a:schemeClr>
+          </a:lnRef>
+          <a:fillRef idx="1">
+            <a:schemeClr val="accent1"/>
+          </a:fillRef>
+          <a:effectRef idx="0">
+            <a:schemeClr val="accent1"/>
+          </a:effectRef>
+          <a:fontRef idx="minor">
+            <a:schemeClr val="lt1"/>
+          </a:fontRef>
+        </p:style>
+        <p:txBody>
+          <a:bodyPr rtlCol="0" anchor="ctr"/>
+          <a:lstStyle/>
+          <a:p>
+            <a:pPr algn="ctr"/>
+            <a:endParaRPr lang="it-IT"/>
+          </a:p>
+        </p:txBody>
+      </p:sp>
+      <p:sp>
+        <p:nvSpPr>
+          <p:cNvPr id="99" name="Rettangolo 98">
+            <a:extLst>
+              <a:ext uri="{FF2B5EF4-FFF2-40B4-BE49-F238E27FC236}">
+                <a16:creationId xmlns:a16="http://schemas.microsoft.com/office/drawing/2014/main" id="{97DEDA43-0525-1D44-A733-663402E80D04}"/>
+              </a:ext>
+            </a:extLst>
+          </p:cNvPr>
+          <p:cNvSpPr/>
+          <p:nvPr/>
+        </p:nvSpPr>
+        <p:spPr>
+          <a:xfrm>
+            <a:off x="2443599" y="2014570"/>
+            <a:ext cx="994847" cy="622831"/>
+          </a:xfrm>
+          <a:prstGeom prst="rect">
+            <a:avLst/>
+          </a:prstGeom>
+          <a:solidFill>
+            <a:schemeClr val="tx2">
+              <a:lumMod val="20000"/>
+              <a:lumOff val="80000"/>
+            </a:schemeClr>
+          </a:solidFill>
+          <a:ln w="38100">
+            <a:solidFill>
+              <a:schemeClr val="tx2">
+                <a:lumMod val="75000"/>
+              </a:schemeClr>
+            </a:solidFill>
+          </a:ln>
+        </p:spPr>
+        <p:style>
+          <a:lnRef idx="2">
+            <a:schemeClr val="accent1">
+              <a:shade val="50000"/>
+            </a:schemeClr>
+          </a:lnRef>
+          <a:fillRef idx="1">
+            <a:schemeClr val="accent1"/>
+          </a:fillRef>
+          <a:effectRef idx="0">
+            <a:schemeClr val="accent1"/>
+          </a:effectRef>
+          <a:fontRef idx="minor">
+            <a:schemeClr val="lt1"/>
+          </a:fontRef>
+        </p:style>
+        <p:txBody>
+          <a:bodyPr rtlCol="0" anchor="ctr"/>
+          <a:lstStyle/>
+          <a:p>
+            <a:pPr algn="ctr"/>
+            <a:endParaRPr lang="it-IT"/>
+          </a:p>
+        </p:txBody>
+      </p:sp>
+      <p:sp>
+        <p:nvSpPr>
+          <p:cNvPr id="100" name="Rettangolo 99">
+            <a:extLst>
+              <a:ext uri="{FF2B5EF4-FFF2-40B4-BE49-F238E27FC236}">
+                <a16:creationId xmlns:a16="http://schemas.microsoft.com/office/drawing/2014/main" id="{367DA5F2-732C-674B-AB8E-E34197E6CC38}"/>
+              </a:ext>
+            </a:extLst>
+          </p:cNvPr>
+          <p:cNvSpPr/>
+          <p:nvPr/>
+        </p:nvSpPr>
+        <p:spPr>
+          <a:xfrm>
+            <a:off x="2443599" y="2635928"/>
+            <a:ext cx="994847" cy="324670"/>
+          </a:xfrm>
+          <a:prstGeom prst="rect">
+            <a:avLst/>
+          </a:prstGeom>
+          <a:solidFill>
+            <a:schemeClr val="tx2">
+              <a:lumMod val="20000"/>
+              <a:lumOff val="80000"/>
+            </a:schemeClr>
+          </a:solidFill>
+          <a:ln w="38100">
+            <a:solidFill>
+              <a:schemeClr val="tx2">
+                <a:lumMod val="75000"/>
+              </a:schemeClr>
+            </a:solidFill>
+          </a:ln>
+        </p:spPr>
+        <p:style>
+          <a:lnRef idx="2">
+            <a:schemeClr val="accent1">
+              <a:shade val="50000"/>
+            </a:schemeClr>
+          </a:lnRef>
+          <a:fillRef idx="1">
+            <a:schemeClr val="accent1"/>
+          </a:fillRef>
+          <a:effectRef idx="0">
+            <a:schemeClr val="accent1"/>
+          </a:effectRef>
+          <a:fontRef idx="minor">
+            <a:schemeClr val="lt1"/>
+          </a:fontRef>
+        </p:style>
+        <p:txBody>
+          <a:bodyPr rtlCol="0" anchor="ctr"/>
+          <a:lstStyle/>
+          <a:p>
+            <a:pPr algn="ctr"/>
+            <a:endParaRPr lang="it-IT"/>
+          </a:p>
+        </p:txBody>
+      </p:sp>
+      <p:sp>
+        <p:nvSpPr>
+          <p:cNvPr id="101" name="Rettangolo 100">
+            <a:extLst>
+              <a:ext uri="{FF2B5EF4-FFF2-40B4-BE49-F238E27FC236}">
+                <a16:creationId xmlns:a16="http://schemas.microsoft.com/office/drawing/2014/main" id="{893AA2EA-4955-F14F-8966-120A33492B60}"/>
+              </a:ext>
+            </a:extLst>
+          </p:cNvPr>
+          <p:cNvSpPr/>
+          <p:nvPr/>
+        </p:nvSpPr>
+        <p:spPr>
+          <a:xfrm>
+            <a:off x="1889596" y="1085821"/>
+            <a:ext cx="243086" cy="324670"/>
+          </a:xfrm>
+          <a:prstGeom prst="rect">
+            <a:avLst/>
+          </a:prstGeom>
+          <a:solidFill>
+            <a:schemeClr val="tx2">
+              <a:lumMod val="20000"/>
+              <a:lumOff val="80000"/>
+            </a:schemeClr>
+          </a:solidFill>
+          <a:ln w="38100">
+            <a:solidFill>
+              <a:schemeClr val="tx2">
+                <a:lumMod val="75000"/>
+              </a:schemeClr>
+            </a:solidFill>
+          </a:ln>
+        </p:spPr>
+        <p:style>
+          <a:lnRef idx="2">
+            <a:schemeClr val="accent1">
+              <a:shade val="50000"/>
+            </a:schemeClr>
+          </a:lnRef>
+          <a:fillRef idx="1">
+            <a:schemeClr val="accent1"/>
+          </a:fillRef>
+          <a:effectRef idx="0">
+            <a:schemeClr val="accent1"/>
+          </a:effectRef>
+          <a:fontRef idx="minor">
+            <a:schemeClr val="lt1"/>
+          </a:fontRef>
+        </p:style>
+        <p:txBody>
+          <a:bodyPr rtlCol="0" anchor="ctr"/>
+          <a:lstStyle/>
+          <a:p>
+            <a:pPr algn="ctr"/>
+            <a:endParaRPr lang="it-IT"/>
+          </a:p>
+        </p:txBody>
+      </p:sp>
+      <p:sp>
+        <p:nvSpPr>
+          <p:cNvPr id="102" name="Rettangolo 101">
+            <a:extLst>
+              <a:ext uri="{FF2B5EF4-FFF2-40B4-BE49-F238E27FC236}">
+                <a16:creationId xmlns:a16="http://schemas.microsoft.com/office/drawing/2014/main" id="{E34462BC-909B-8645-AB73-B5C3A89B7C64}"/>
+              </a:ext>
+            </a:extLst>
+          </p:cNvPr>
+          <p:cNvSpPr/>
+          <p:nvPr/>
+        </p:nvSpPr>
+        <p:spPr>
+          <a:xfrm>
+            <a:off x="60455" y="166254"/>
+            <a:ext cx="898055" cy="702803"/>
+          </a:xfrm>
+          <a:prstGeom prst="rect">
+            <a:avLst/>
+          </a:prstGeom>
+          <a:solidFill>
+            <a:schemeClr val="tx2">
+              <a:lumMod val="20000"/>
+              <a:lumOff val="80000"/>
+            </a:schemeClr>
+          </a:solidFill>
+          <a:ln w="38100">
+            <a:solidFill>
+              <a:schemeClr val="tx2">
+                <a:lumMod val="75000"/>
+              </a:schemeClr>
+            </a:solidFill>
+          </a:ln>
+        </p:spPr>
+        <p:style>
+          <a:lnRef idx="2">
+            <a:schemeClr val="accent1">
+              <a:shade val="50000"/>
+            </a:schemeClr>
+          </a:lnRef>
+          <a:fillRef idx="1">
+            <a:schemeClr val="accent1"/>
+          </a:fillRef>
+          <a:effectRef idx="0">
+            <a:schemeClr val="accent1"/>
+          </a:effectRef>
+          <a:fontRef idx="minor">
+            <a:schemeClr val="lt1"/>
+          </a:fontRef>
+        </p:style>
+        <p:txBody>
+          <a:bodyPr rtlCol="0" anchor="ctr"/>
+          <a:lstStyle/>
+          <a:p>
+            <a:pPr algn="ctr"/>
+            <a:endParaRPr lang="it-IT"/>
+          </a:p>
+        </p:txBody>
+      </p:sp>
+      <p:sp>
+        <p:nvSpPr>
+          <p:cNvPr id="106" name="Rettangolo 105">
+            <a:extLst>
+              <a:ext uri="{FF2B5EF4-FFF2-40B4-BE49-F238E27FC236}">
+                <a16:creationId xmlns:a16="http://schemas.microsoft.com/office/drawing/2014/main" id="{99AE6D2E-CCE2-854E-8FF7-ED38085647B3}"/>
+              </a:ext>
+            </a:extLst>
+          </p:cNvPr>
+          <p:cNvSpPr/>
+          <p:nvPr/>
+        </p:nvSpPr>
+        <p:spPr>
+          <a:xfrm>
+            <a:off x="3954066" y="1389662"/>
+            <a:ext cx="366688" cy="324670"/>
+          </a:xfrm>
+          <a:prstGeom prst="rect">
+            <a:avLst/>
+          </a:prstGeom>
+          <a:solidFill>
+            <a:schemeClr val="tx2">
+              <a:lumMod val="20000"/>
+              <a:lumOff val="80000"/>
+            </a:schemeClr>
+          </a:solidFill>
+          <a:ln w="38100">
+            <a:solidFill>
+              <a:schemeClr val="tx2">
+                <a:lumMod val="75000"/>
+              </a:schemeClr>
+            </a:solidFill>
+          </a:ln>
+        </p:spPr>
+        <p:style>
+          <a:lnRef idx="2">
+            <a:schemeClr val="accent1">
+              <a:shade val="50000"/>
+            </a:schemeClr>
+          </a:lnRef>
+          <a:fillRef idx="1">
+            <a:schemeClr val="accent1"/>
+          </a:fillRef>
+          <a:effectRef idx="0">
+            <a:schemeClr val="accent1"/>
+          </a:effectRef>
+          <a:fontRef idx="minor">
+            <a:schemeClr val="lt1"/>
+          </a:fontRef>
+        </p:style>
+        <p:txBody>
+          <a:bodyPr rtlCol="0" anchor="ctr"/>
+          <a:lstStyle/>
+          <a:p>
+            <a:pPr algn="ctr"/>
+            <a:endParaRPr lang="it-IT"/>
+          </a:p>
+        </p:txBody>
+      </p:sp>
+      <p:sp>
+        <p:nvSpPr>
+          <p:cNvPr id="107" name="Rettangolo 106">
+            <a:extLst>
+              <a:ext uri="{FF2B5EF4-FFF2-40B4-BE49-F238E27FC236}">
+                <a16:creationId xmlns:a16="http://schemas.microsoft.com/office/drawing/2014/main" id="{ACBDF273-7F2C-3E41-87C0-6F465A6B0BCF}"/>
+              </a:ext>
+            </a:extLst>
+          </p:cNvPr>
+          <p:cNvSpPr/>
+          <p:nvPr/>
+        </p:nvSpPr>
+        <p:spPr>
+          <a:xfrm>
+            <a:off x="3961623" y="2337836"/>
+            <a:ext cx="368163" cy="622762"/>
+          </a:xfrm>
+          <a:prstGeom prst="rect">
+            <a:avLst/>
+          </a:prstGeom>
+          <a:solidFill>
+            <a:schemeClr val="tx2">
+              <a:lumMod val="20000"/>
+              <a:lumOff val="80000"/>
+            </a:schemeClr>
+          </a:solidFill>
+          <a:ln w="38100">
+            <a:solidFill>
+              <a:schemeClr val="tx2">
+                <a:lumMod val="75000"/>
+              </a:schemeClr>
+            </a:solidFill>
+          </a:ln>
+        </p:spPr>
+        <p:style>
+          <a:lnRef idx="2">
+            <a:schemeClr val="accent1">
+              <a:shade val="50000"/>
+            </a:schemeClr>
+          </a:lnRef>
+          <a:fillRef idx="1">
+            <a:schemeClr val="accent1"/>
+          </a:fillRef>
+          <a:effectRef idx="0">
+            <a:schemeClr val="accent1"/>
+          </a:effectRef>
+          <a:fontRef idx="minor">
+            <a:schemeClr val="lt1"/>
+          </a:fontRef>
+        </p:style>
+        <p:txBody>
+          <a:bodyPr rtlCol="0" anchor="ctr"/>
+          <a:lstStyle/>
+          <a:p>
+            <a:pPr algn="ctr"/>
+            <a:endParaRPr lang="it-IT"/>
+          </a:p>
+        </p:txBody>
+      </p:sp>
+      <p:sp>
+        <p:nvSpPr>
+          <p:cNvPr id="108" name="Rettangolo 107">
+            <a:extLst>
+              <a:ext uri="{FF2B5EF4-FFF2-40B4-BE49-F238E27FC236}">
+                <a16:creationId xmlns:a16="http://schemas.microsoft.com/office/drawing/2014/main" id="{9064D597-4682-A842-A475-C2FAB32880CC}"/>
+              </a:ext>
+            </a:extLst>
+          </p:cNvPr>
+          <p:cNvSpPr/>
+          <p:nvPr/>
+        </p:nvSpPr>
+        <p:spPr>
+          <a:xfrm>
+            <a:off x="3953424" y="1085821"/>
+            <a:ext cx="366688" cy="324670"/>
+          </a:xfrm>
+          <a:prstGeom prst="rect">
+            <a:avLst/>
+          </a:prstGeom>
+          <a:solidFill>
+            <a:schemeClr val="tx2">
+              <a:lumMod val="20000"/>
+              <a:lumOff val="80000"/>
+            </a:schemeClr>
+          </a:solidFill>
+          <a:ln w="38100">
+            <a:solidFill>
+              <a:schemeClr val="tx2">
+                <a:lumMod val="75000"/>
+              </a:schemeClr>
+            </a:solidFill>
+          </a:ln>
+        </p:spPr>
+        <p:style>
+          <a:lnRef idx="2">
+            <a:schemeClr val="accent1">
+              <a:shade val="50000"/>
+            </a:schemeClr>
+          </a:lnRef>
+          <a:fillRef idx="1">
+            <a:schemeClr val="accent1"/>
+          </a:fillRef>
+          <a:effectRef idx="0">
+            <a:schemeClr val="accent1"/>
+          </a:effectRef>
+          <a:fontRef idx="minor">
+            <a:schemeClr val="lt1"/>
+          </a:fontRef>
+        </p:style>
+        <p:txBody>
+          <a:bodyPr rtlCol="0" anchor="ctr"/>
+          <a:lstStyle/>
+          <a:p>
+            <a:pPr algn="ctr"/>
+            <a:endParaRPr lang="it-IT"/>
+          </a:p>
+        </p:txBody>
+      </p:sp>
+      <p:sp>
+        <p:nvSpPr>
+          <p:cNvPr id="109" name="Rettangolo 108">
+            <a:extLst>
+              <a:ext uri="{FF2B5EF4-FFF2-40B4-BE49-F238E27FC236}">
+                <a16:creationId xmlns:a16="http://schemas.microsoft.com/office/drawing/2014/main" id="{7263A289-7530-2444-89B8-16B13664CECF}"/>
+              </a:ext>
+            </a:extLst>
+          </p:cNvPr>
+          <p:cNvSpPr/>
+          <p:nvPr/>
+        </p:nvSpPr>
+        <p:spPr>
+          <a:xfrm>
+            <a:off x="4320112" y="1088269"/>
+            <a:ext cx="272756" cy="324670"/>
+          </a:xfrm>
+          <a:prstGeom prst="rect">
+            <a:avLst/>
+          </a:prstGeom>
+          <a:solidFill>
+            <a:schemeClr val="tx2">
+              <a:lumMod val="20000"/>
+              <a:lumOff val="80000"/>
+            </a:schemeClr>
+          </a:solidFill>
+          <a:ln w="38100">
+            <a:solidFill>
+              <a:schemeClr val="tx2">
+                <a:lumMod val="75000"/>
+              </a:schemeClr>
+            </a:solidFill>
+          </a:ln>
+        </p:spPr>
+        <p:style>
+          <a:lnRef idx="2">
+            <a:schemeClr val="accent1">
+              <a:shade val="50000"/>
+            </a:schemeClr>
+          </a:lnRef>
+          <a:fillRef idx="1">
+            <a:schemeClr val="accent1"/>
+          </a:fillRef>
+          <a:effectRef idx="0">
+            <a:schemeClr val="accent1"/>
+          </a:effectRef>
+          <a:fontRef idx="minor">
+            <a:schemeClr val="lt1"/>
+          </a:fontRef>
+        </p:style>
+        <p:txBody>
+          <a:bodyPr rtlCol="0" anchor="ctr"/>
+          <a:lstStyle/>
+          <a:p>
+            <a:pPr algn="ctr"/>
+            <a:endParaRPr lang="it-IT"/>
+          </a:p>
+        </p:txBody>
+      </p:sp>
+      <p:sp>
+        <p:nvSpPr>
+          <p:cNvPr id="110" name="Rettangolo 109">
+            <a:extLst>
+              <a:ext uri="{FF2B5EF4-FFF2-40B4-BE49-F238E27FC236}">
+                <a16:creationId xmlns:a16="http://schemas.microsoft.com/office/drawing/2014/main" id="{6168C792-220A-6B47-BE0C-FFF5F991B460}"/>
+              </a:ext>
+            </a:extLst>
+          </p:cNvPr>
+          <p:cNvSpPr/>
+          <p:nvPr/>
+        </p:nvSpPr>
+        <p:spPr>
+          <a:xfrm>
+            <a:off x="4592198" y="1085821"/>
+            <a:ext cx="272756" cy="324670"/>
+          </a:xfrm>
+          <a:prstGeom prst="rect">
+            <a:avLst/>
+          </a:prstGeom>
+          <a:solidFill>
+            <a:schemeClr val="tx2">
+              <a:lumMod val="20000"/>
+              <a:lumOff val="80000"/>
+            </a:schemeClr>
+          </a:solidFill>
+          <a:ln w="38100">
+            <a:solidFill>
+              <a:schemeClr val="tx2">
+                <a:lumMod val="75000"/>
+              </a:schemeClr>
+            </a:solidFill>
+          </a:ln>
+        </p:spPr>
+        <p:style>
+          <a:lnRef idx="2">
+            <a:schemeClr val="accent1">
+              <a:shade val="50000"/>
+            </a:schemeClr>
+          </a:lnRef>
+          <a:fillRef idx="1">
+            <a:schemeClr val="accent1"/>
+          </a:fillRef>
+          <a:effectRef idx="0">
+            <a:schemeClr val="accent1"/>
+          </a:effectRef>
+          <a:fontRef idx="minor">
+            <a:schemeClr val="lt1"/>
+          </a:fontRef>
+        </p:style>
+        <p:txBody>
+          <a:bodyPr rtlCol="0" anchor="ctr"/>
+          <a:lstStyle/>
+          <a:p>
+            <a:pPr algn="ctr"/>
+            <a:endParaRPr lang="it-IT"/>
+          </a:p>
+        </p:txBody>
+      </p:sp>
+      <p:sp>
+        <p:nvSpPr>
+          <p:cNvPr id="111" name="Rettangolo 110">
+            <a:extLst>
+              <a:ext uri="{FF2B5EF4-FFF2-40B4-BE49-F238E27FC236}">
+                <a16:creationId xmlns:a16="http://schemas.microsoft.com/office/drawing/2014/main" id="{5FCC3A7A-96ED-604D-80F9-CA85073EC2D6}"/>
+              </a:ext>
+            </a:extLst>
+          </p:cNvPr>
+          <p:cNvSpPr/>
+          <p:nvPr/>
+        </p:nvSpPr>
+        <p:spPr>
+          <a:xfrm>
+            <a:off x="4872360" y="1085821"/>
+            <a:ext cx="272756" cy="324670"/>
+          </a:xfrm>
+          <a:prstGeom prst="rect">
+            <a:avLst/>
+          </a:prstGeom>
+          <a:solidFill>
+            <a:schemeClr val="tx2">
+              <a:lumMod val="20000"/>
+              <a:lumOff val="80000"/>
+            </a:schemeClr>
+          </a:solidFill>
+          <a:ln w="38100">
+            <a:solidFill>
+              <a:schemeClr val="tx2">
+                <a:lumMod val="75000"/>
+              </a:schemeClr>
+            </a:solidFill>
+          </a:ln>
+        </p:spPr>
+        <p:style>
+          <a:lnRef idx="2">
+            <a:schemeClr val="accent1">
+              <a:shade val="50000"/>
+            </a:schemeClr>
+          </a:lnRef>
+          <a:fillRef idx="1">
+            <a:schemeClr val="accent1"/>
+          </a:fillRef>
+          <a:effectRef idx="0">
+            <a:schemeClr val="accent1"/>
+          </a:effectRef>
+          <a:fontRef idx="minor">
+            <a:schemeClr val="lt1"/>
+          </a:fontRef>
+        </p:style>
+        <p:txBody>
+          <a:bodyPr rtlCol="0" anchor="ctr"/>
+          <a:lstStyle/>
+          <a:p>
+            <a:pPr algn="ctr"/>
+            <a:endParaRPr lang="it-IT"/>
+          </a:p>
+        </p:txBody>
+      </p:sp>
+      <p:sp>
+        <p:nvSpPr>
+          <p:cNvPr id="112" name="Rettangolo 111">
+            <a:extLst>
+              <a:ext uri="{FF2B5EF4-FFF2-40B4-BE49-F238E27FC236}">
+                <a16:creationId xmlns:a16="http://schemas.microsoft.com/office/drawing/2014/main" id="{EC7B2890-47BE-834B-AAC6-B43AAE5E649C}"/>
+              </a:ext>
+            </a:extLst>
+          </p:cNvPr>
+          <p:cNvSpPr/>
+          <p:nvPr/>
+        </p:nvSpPr>
+        <p:spPr>
+          <a:xfrm>
+            <a:off x="4886622" y="2635007"/>
+            <a:ext cx="272756" cy="324670"/>
+          </a:xfrm>
+          <a:prstGeom prst="rect">
+            <a:avLst/>
+          </a:prstGeom>
+          <a:solidFill>
+            <a:schemeClr val="tx2">
+              <a:lumMod val="20000"/>
+              <a:lumOff val="80000"/>
+            </a:schemeClr>
+          </a:solidFill>
+          <a:ln w="38100">
+            <a:solidFill>
+              <a:schemeClr val="tx2">
+                <a:lumMod val="75000"/>
+              </a:schemeClr>
+            </a:solidFill>
+          </a:ln>
+        </p:spPr>
+        <p:style>
+          <a:lnRef idx="2">
+            <a:schemeClr val="accent1">
+              <a:shade val="50000"/>
+            </a:schemeClr>
+          </a:lnRef>
+          <a:fillRef idx="1">
+            <a:schemeClr val="accent1"/>
+          </a:fillRef>
+          <a:effectRef idx="0">
+            <a:schemeClr val="accent1"/>
+          </a:effectRef>
+          <a:fontRef idx="minor">
+            <a:schemeClr val="lt1"/>
+          </a:fontRef>
+        </p:style>
+        <p:txBody>
+          <a:bodyPr rtlCol="0" anchor="ctr"/>
+          <a:lstStyle/>
+          <a:p>
+            <a:pPr algn="ctr"/>
+            <a:endParaRPr lang="it-IT"/>
+          </a:p>
+        </p:txBody>
+      </p:sp>
+      <p:sp>
+        <p:nvSpPr>
+          <p:cNvPr id="113" name="Rettangolo 112">
+            <a:extLst>
+              <a:ext uri="{FF2B5EF4-FFF2-40B4-BE49-F238E27FC236}">
+                <a16:creationId xmlns:a16="http://schemas.microsoft.com/office/drawing/2014/main" id="{69C1245E-DCF7-8D41-85D9-89834E67527D}"/>
+              </a:ext>
+            </a:extLst>
+          </p:cNvPr>
+          <p:cNvSpPr/>
+          <p:nvPr/>
+        </p:nvSpPr>
+        <p:spPr>
+          <a:xfrm>
+            <a:off x="4600516" y="2635928"/>
+            <a:ext cx="272756" cy="324670"/>
+          </a:xfrm>
+          <a:prstGeom prst="rect">
+            <a:avLst/>
+          </a:prstGeom>
+          <a:solidFill>
+            <a:schemeClr val="tx2">
+              <a:lumMod val="20000"/>
+              <a:lumOff val="80000"/>
+            </a:schemeClr>
+          </a:solidFill>
+          <a:ln w="38100">
+            <a:solidFill>
+              <a:schemeClr val="tx2">
+                <a:lumMod val="75000"/>
+              </a:schemeClr>
+            </a:solidFill>
+          </a:ln>
+        </p:spPr>
+        <p:style>
+          <a:lnRef idx="2">
+            <a:schemeClr val="accent1">
+              <a:shade val="50000"/>
+            </a:schemeClr>
+          </a:lnRef>
+          <a:fillRef idx="1">
+            <a:schemeClr val="accent1"/>
+          </a:fillRef>
+          <a:effectRef idx="0">
+            <a:schemeClr val="accent1"/>
+          </a:effectRef>
+          <a:fontRef idx="minor">
+            <a:schemeClr val="lt1"/>
+          </a:fontRef>
+        </p:style>
+        <p:txBody>
+          <a:bodyPr rtlCol="0" anchor="ctr"/>
+          <a:lstStyle/>
+          <a:p>
+            <a:pPr algn="ctr"/>
+            <a:endParaRPr lang="it-IT"/>
+          </a:p>
+        </p:txBody>
+      </p:sp>
+      <p:sp>
+        <p:nvSpPr>
+          <p:cNvPr id="114" name="Rettangolo 113">
+            <a:extLst>
+              <a:ext uri="{FF2B5EF4-FFF2-40B4-BE49-F238E27FC236}">
+                <a16:creationId xmlns:a16="http://schemas.microsoft.com/office/drawing/2014/main" id="{CA899D13-4DF0-3D48-A1F2-C272AF50FA62}"/>
+              </a:ext>
+            </a:extLst>
+          </p:cNvPr>
+          <p:cNvSpPr/>
+          <p:nvPr/>
+        </p:nvSpPr>
+        <p:spPr>
+          <a:xfrm>
+            <a:off x="4345870" y="2635007"/>
+            <a:ext cx="272756" cy="324670"/>
+          </a:xfrm>
+          <a:prstGeom prst="rect">
+            <a:avLst/>
+          </a:prstGeom>
+          <a:solidFill>
+            <a:schemeClr val="tx2">
+              <a:lumMod val="20000"/>
+              <a:lumOff val="80000"/>
+            </a:schemeClr>
+          </a:solidFill>
+          <a:ln w="38100">
+            <a:solidFill>
+              <a:schemeClr val="tx2">
+                <a:lumMod val="75000"/>
+              </a:schemeClr>
+            </a:solidFill>
+          </a:ln>
+        </p:spPr>
+        <p:style>
+          <a:lnRef idx="2">
+            <a:schemeClr val="accent1">
+              <a:shade val="50000"/>
+            </a:schemeClr>
+          </a:lnRef>
+          <a:fillRef idx="1">
+            <a:schemeClr val="accent1"/>
+          </a:fillRef>
+          <a:effectRef idx="0">
+            <a:schemeClr val="accent1"/>
+          </a:effectRef>
+          <a:fontRef idx="minor">
+            <a:schemeClr val="lt1"/>
+          </a:fontRef>
+        </p:style>
+        <p:txBody>
+          <a:bodyPr rtlCol="0" anchor="ctr"/>
+          <a:lstStyle/>
+          <a:p>
+            <a:pPr algn="ctr"/>
+            <a:endParaRPr lang="it-IT"/>
+          </a:p>
+        </p:txBody>
+      </p:sp>
+      <p:sp>
+        <p:nvSpPr>
+          <p:cNvPr id="115" name="Rettangolo 114">
+            <a:extLst>
+              <a:ext uri="{FF2B5EF4-FFF2-40B4-BE49-F238E27FC236}">
+                <a16:creationId xmlns:a16="http://schemas.microsoft.com/office/drawing/2014/main" id="{E370C906-CCA5-DD4D-91FF-F82464DCA378}"/>
+              </a:ext>
+            </a:extLst>
+          </p:cNvPr>
+          <p:cNvSpPr/>
+          <p:nvPr/>
+        </p:nvSpPr>
+        <p:spPr>
+          <a:xfrm>
+            <a:off x="5456681" y="1390850"/>
+            <a:ext cx="366688" cy="324670"/>
+          </a:xfrm>
+          <a:prstGeom prst="rect">
+            <a:avLst/>
+          </a:prstGeom>
+          <a:solidFill>
+            <a:schemeClr val="tx2">
+              <a:lumMod val="20000"/>
+              <a:lumOff val="80000"/>
+            </a:schemeClr>
+          </a:solidFill>
+          <a:ln w="38100">
+            <a:solidFill>
+              <a:schemeClr val="tx2">
+                <a:lumMod val="75000"/>
+              </a:schemeClr>
+            </a:solidFill>
+          </a:ln>
+        </p:spPr>
+        <p:style>
+          <a:lnRef idx="2">
+            <a:schemeClr val="accent1">
+              <a:shade val="50000"/>
+            </a:schemeClr>
+          </a:lnRef>
+          <a:fillRef idx="1">
+            <a:schemeClr val="accent1"/>
+          </a:fillRef>
+          <a:effectRef idx="0">
+            <a:schemeClr val="accent1"/>
+          </a:effectRef>
+          <a:fontRef idx="minor">
+            <a:schemeClr val="lt1"/>
+          </a:fontRef>
+        </p:style>
+        <p:txBody>
+          <a:bodyPr rtlCol="0" anchor="ctr"/>
+          <a:lstStyle/>
+          <a:p>
+            <a:pPr algn="ctr"/>
+            <a:endParaRPr lang="it-IT"/>
+          </a:p>
+        </p:txBody>
+      </p:sp>
+      <p:sp>
+        <p:nvSpPr>
+          <p:cNvPr id="116" name="Rettangolo 115">
+            <a:extLst>
+              <a:ext uri="{FF2B5EF4-FFF2-40B4-BE49-F238E27FC236}">
+                <a16:creationId xmlns:a16="http://schemas.microsoft.com/office/drawing/2014/main" id="{91531ACA-0D74-C544-BB54-0380F6E9C2FB}"/>
+              </a:ext>
+            </a:extLst>
+          </p:cNvPr>
+          <p:cNvSpPr/>
+          <p:nvPr/>
+        </p:nvSpPr>
+        <p:spPr>
+          <a:xfrm>
+            <a:off x="5456681" y="1714478"/>
+            <a:ext cx="366688" cy="324670"/>
+          </a:xfrm>
+          <a:prstGeom prst="rect">
+            <a:avLst/>
+          </a:prstGeom>
+          <a:solidFill>
+            <a:schemeClr val="tx2">
+              <a:lumMod val="20000"/>
+              <a:lumOff val="80000"/>
+            </a:schemeClr>
+          </a:solidFill>
+          <a:ln w="38100">
+            <a:solidFill>
+              <a:schemeClr val="tx2">
+                <a:lumMod val="75000"/>
+              </a:schemeClr>
+            </a:solidFill>
+          </a:ln>
+        </p:spPr>
+        <p:style>
+          <a:lnRef idx="2">
+            <a:schemeClr val="accent1">
+              <a:shade val="50000"/>
+            </a:schemeClr>
+          </a:lnRef>
+          <a:fillRef idx="1">
+            <a:schemeClr val="accent1"/>
+          </a:fillRef>
+          <a:effectRef idx="0">
+            <a:schemeClr val="accent1"/>
+          </a:effectRef>
+          <a:fontRef idx="minor">
+            <a:schemeClr val="lt1"/>
+          </a:fontRef>
+        </p:style>
+        <p:txBody>
+          <a:bodyPr rtlCol="0" anchor="ctr"/>
+          <a:lstStyle/>
+          <a:p>
+            <a:pPr algn="ctr"/>
+            <a:endParaRPr lang="it-IT"/>
+          </a:p>
+        </p:txBody>
+      </p:sp>
+      <p:sp>
+        <p:nvSpPr>
+          <p:cNvPr id="117" name="Rettangolo 116">
+            <a:extLst>
+              <a:ext uri="{FF2B5EF4-FFF2-40B4-BE49-F238E27FC236}">
+                <a16:creationId xmlns:a16="http://schemas.microsoft.com/office/drawing/2014/main" id="{CC5FBBCF-FC93-3B4F-9656-7C70AC08C12E}"/>
+              </a:ext>
+            </a:extLst>
+          </p:cNvPr>
+          <p:cNvSpPr/>
+          <p:nvPr/>
+        </p:nvSpPr>
+        <p:spPr>
+          <a:xfrm>
+            <a:off x="5456681" y="2039148"/>
+            <a:ext cx="366688" cy="324670"/>
+          </a:xfrm>
+          <a:prstGeom prst="rect">
+            <a:avLst/>
+          </a:prstGeom>
+          <a:solidFill>
+            <a:schemeClr val="tx2">
+              <a:lumMod val="20000"/>
+              <a:lumOff val="80000"/>
+            </a:schemeClr>
+          </a:solidFill>
+          <a:ln w="38100">
+            <a:solidFill>
+              <a:schemeClr val="tx2">
+                <a:lumMod val="75000"/>
+              </a:schemeClr>
+            </a:solidFill>
+          </a:ln>
+        </p:spPr>
+        <p:style>
+          <a:lnRef idx="2">
+            <a:schemeClr val="accent1">
+              <a:shade val="50000"/>
+            </a:schemeClr>
+          </a:lnRef>
+          <a:fillRef idx="1">
+            <a:schemeClr val="accent1"/>
+          </a:fillRef>
+          <a:effectRef idx="0">
+            <a:schemeClr val="accent1"/>
+          </a:effectRef>
+          <a:fontRef idx="minor">
+            <a:schemeClr val="lt1"/>
+          </a:fontRef>
+        </p:style>
+        <p:txBody>
+          <a:bodyPr rtlCol="0" anchor="ctr"/>
+          <a:lstStyle/>
+          <a:p>
+            <a:pPr algn="ctr"/>
+            <a:endParaRPr lang="it-IT"/>
+          </a:p>
+        </p:txBody>
+      </p:sp>
+      <p:sp>
+        <p:nvSpPr>
+          <p:cNvPr id="118" name="Rettangolo 117">
+            <a:extLst>
+              <a:ext uri="{FF2B5EF4-FFF2-40B4-BE49-F238E27FC236}">
+                <a16:creationId xmlns:a16="http://schemas.microsoft.com/office/drawing/2014/main" id="{FCEDBEF2-CD78-9643-88FF-0DFE2770A1A7}"/>
+              </a:ext>
+            </a:extLst>
+          </p:cNvPr>
+          <p:cNvSpPr/>
+          <p:nvPr/>
+        </p:nvSpPr>
+        <p:spPr>
+          <a:xfrm>
+            <a:off x="5456681" y="2302860"/>
+            <a:ext cx="366688" cy="324670"/>
+          </a:xfrm>
+          <a:prstGeom prst="rect">
+            <a:avLst/>
+          </a:prstGeom>
+          <a:solidFill>
+            <a:schemeClr val="tx2">
+              <a:lumMod val="20000"/>
+              <a:lumOff val="80000"/>
+            </a:schemeClr>
+          </a:solidFill>
+          <a:ln w="38100">
+            <a:solidFill>
+              <a:schemeClr val="tx2">
+                <a:lumMod val="75000"/>
+              </a:schemeClr>
+            </a:solidFill>
+          </a:ln>
+        </p:spPr>
+        <p:style>
+          <a:lnRef idx="2">
+            <a:schemeClr val="accent1">
+              <a:shade val="50000"/>
+            </a:schemeClr>
+          </a:lnRef>
+          <a:fillRef idx="1">
+            <a:schemeClr val="accent1"/>
+          </a:fillRef>
+          <a:effectRef idx="0">
+            <a:schemeClr val="accent1"/>
+          </a:effectRef>
+          <a:fontRef idx="minor">
+            <a:schemeClr val="lt1"/>
+          </a:fontRef>
+        </p:style>
+        <p:txBody>
+          <a:bodyPr rtlCol="0" anchor="ctr"/>
+          <a:lstStyle/>
+          <a:p>
+            <a:pPr algn="ctr"/>
+            <a:endParaRPr lang="it-IT"/>
+          </a:p>
+        </p:txBody>
+      </p:sp>
+      <p:sp>
+        <p:nvSpPr>
+          <p:cNvPr id="119" name="Rettangolo 118">
+            <a:extLst>
+              <a:ext uri="{FF2B5EF4-FFF2-40B4-BE49-F238E27FC236}">
+                <a16:creationId xmlns:a16="http://schemas.microsoft.com/office/drawing/2014/main" id="{9A8E80B1-20A4-544F-A989-F3F692DA6447}"/>
+              </a:ext>
+            </a:extLst>
+          </p:cNvPr>
+          <p:cNvSpPr/>
+          <p:nvPr/>
+        </p:nvSpPr>
+        <p:spPr>
+          <a:xfrm>
+            <a:off x="6134934" y="1390850"/>
+            <a:ext cx="529835" cy="324670"/>
+          </a:xfrm>
+          <a:prstGeom prst="rect">
+            <a:avLst/>
+          </a:prstGeom>
+          <a:solidFill>
+            <a:schemeClr val="tx2">
+              <a:lumMod val="20000"/>
+              <a:lumOff val="80000"/>
+            </a:schemeClr>
+          </a:solidFill>
+          <a:ln w="38100">
+            <a:solidFill>
+              <a:schemeClr val="tx2">
+                <a:lumMod val="75000"/>
+              </a:schemeClr>
+            </a:solidFill>
+          </a:ln>
+        </p:spPr>
+        <p:style>
+          <a:lnRef idx="2">
+            <a:schemeClr val="accent1">
+              <a:shade val="50000"/>
+            </a:schemeClr>
+          </a:lnRef>
+          <a:fillRef idx="1">
+            <a:schemeClr val="accent1"/>
+          </a:fillRef>
+          <a:effectRef idx="0">
+            <a:schemeClr val="accent1"/>
+          </a:effectRef>
+          <a:fontRef idx="minor">
+            <a:schemeClr val="lt1"/>
+          </a:fontRef>
+        </p:style>
+        <p:txBody>
+          <a:bodyPr rtlCol="0" anchor="ctr"/>
+          <a:lstStyle/>
+          <a:p>
+            <a:pPr algn="ctr"/>
+            <a:endParaRPr lang="it-IT"/>
+          </a:p>
+        </p:txBody>
+      </p:sp>
+      <p:sp>
+        <p:nvSpPr>
+          <p:cNvPr id="120" name="Rettangolo 119">
+            <a:extLst>
+              <a:ext uri="{FF2B5EF4-FFF2-40B4-BE49-F238E27FC236}">
+                <a16:creationId xmlns:a16="http://schemas.microsoft.com/office/drawing/2014/main" id="{1CE6B6D2-BFCA-394A-8073-0D7E0B19A583}"/>
+              </a:ext>
+            </a:extLst>
+          </p:cNvPr>
+          <p:cNvSpPr/>
+          <p:nvPr/>
+        </p:nvSpPr>
+        <p:spPr>
+          <a:xfrm>
+            <a:off x="6134934" y="1714478"/>
+            <a:ext cx="529835" cy="324670"/>
+          </a:xfrm>
+          <a:prstGeom prst="rect">
+            <a:avLst/>
+          </a:prstGeom>
+          <a:solidFill>
+            <a:schemeClr val="tx2">
+              <a:lumMod val="20000"/>
+              <a:lumOff val="80000"/>
+            </a:schemeClr>
+          </a:solidFill>
+          <a:ln w="38100">
+            <a:solidFill>
+              <a:schemeClr val="tx2">
+                <a:lumMod val="75000"/>
+              </a:schemeClr>
+            </a:solidFill>
+          </a:ln>
+        </p:spPr>
+        <p:style>
+          <a:lnRef idx="2">
+            <a:schemeClr val="accent1">
+              <a:shade val="50000"/>
+            </a:schemeClr>
+          </a:lnRef>
+          <a:fillRef idx="1">
+            <a:schemeClr val="accent1"/>
+          </a:fillRef>
+          <a:effectRef idx="0">
+            <a:schemeClr val="accent1"/>
+          </a:effectRef>
+          <a:fontRef idx="minor">
+            <a:schemeClr val="lt1"/>
+          </a:fontRef>
+        </p:style>
+        <p:txBody>
+          <a:bodyPr rtlCol="0" anchor="ctr"/>
+          <a:lstStyle/>
+          <a:p>
+            <a:pPr algn="ctr"/>
+            <a:endParaRPr lang="it-IT"/>
+          </a:p>
+        </p:txBody>
+      </p:sp>
+      <p:sp>
+        <p:nvSpPr>
+          <p:cNvPr id="121" name="Rettangolo 120">
+            <a:extLst>
+              <a:ext uri="{FF2B5EF4-FFF2-40B4-BE49-F238E27FC236}">
+                <a16:creationId xmlns:a16="http://schemas.microsoft.com/office/drawing/2014/main" id="{45494479-2719-1F47-A856-AC0E94323CD3}"/>
+              </a:ext>
+            </a:extLst>
+          </p:cNvPr>
+          <p:cNvSpPr/>
+          <p:nvPr/>
+        </p:nvSpPr>
+        <p:spPr>
+          <a:xfrm>
+            <a:off x="6134934" y="2039148"/>
+            <a:ext cx="529835" cy="324670"/>
+          </a:xfrm>
+          <a:prstGeom prst="rect">
+            <a:avLst/>
+          </a:prstGeom>
+          <a:solidFill>
+            <a:schemeClr val="tx2">
+              <a:lumMod val="20000"/>
+              <a:lumOff val="80000"/>
+            </a:schemeClr>
+          </a:solidFill>
+          <a:ln w="38100">
+            <a:solidFill>
+              <a:schemeClr val="tx2">
+                <a:lumMod val="75000"/>
+              </a:schemeClr>
+            </a:solidFill>
+          </a:ln>
+        </p:spPr>
+        <p:style>
+          <a:lnRef idx="2">
+            <a:schemeClr val="accent1">
+              <a:shade val="50000"/>
+            </a:schemeClr>
+          </a:lnRef>
+          <a:fillRef idx="1">
+            <a:schemeClr val="accent1"/>
+          </a:fillRef>
+          <a:effectRef idx="0">
+            <a:schemeClr val="accent1"/>
+          </a:effectRef>
+          <a:fontRef idx="minor">
+            <a:schemeClr val="lt1"/>
+          </a:fontRef>
+        </p:style>
+        <p:txBody>
+          <a:bodyPr rtlCol="0" anchor="ctr"/>
+          <a:lstStyle/>
+          <a:p>
+            <a:pPr algn="ctr"/>
+            <a:endParaRPr lang="it-IT"/>
+          </a:p>
+        </p:txBody>
+      </p:sp>
+      <p:sp>
+        <p:nvSpPr>
+          <p:cNvPr id="122" name="Rettangolo 121">
+            <a:extLst>
+              <a:ext uri="{FF2B5EF4-FFF2-40B4-BE49-F238E27FC236}">
+                <a16:creationId xmlns:a16="http://schemas.microsoft.com/office/drawing/2014/main" id="{FD70772E-4060-324C-9439-DBCAAA5670CB}"/>
+              </a:ext>
+            </a:extLst>
+          </p:cNvPr>
+          <p:cNvSpPr/>
+          <p:nvPr/>
+        </p:nvSpPr>
+        <p:spPr>
+          <a:xfrm>
+            <a:off x="6134934" y="2302860"/>
+            <a:ext cx="529835" cy="324670"/>
+          </a:xfrm>
+          <a:prstGeom prst="rect">
+            <a:avLst/>
+          </a:prstGeom>
+          <a:solidFill>
+            <a:schemeClr val="tx2">
+              <a:lumMod val="20000"/>
+              <a:lumOff val="80000"/>
+            </a:schemeClr>
+          </a:solidFill>
+          <a:ln w="38100">
+            <a:solidFill>
+              <a:schemeClr val="tx2">
+                <a:lumMod val="75000"/>
+              </a:schemeClr>
+            </a:solidFill>
+          </a:ln>
+        </p:spPr>
+        <p:style>
+          <a:lnRef idx="2">
+            <a:schemeClr val="accent1">
+              <a:shade val="50000"/>
+            </a:schemeClr>
+          </a:lnRef>
+          <a:fillRef idx="1">
+            <a:schemeClr val="accent1"/>
+          </a:fillRef>
+          <a:effectRef idx="0">
+            <a:schemeClr val="accent1"/>
+          </a:effectRef>
+          <a:fontRef idx="minor">
+            <a:schemeClr val="lt1"/>
+          </a:fontRef>
+        </p:style>
+        <p:txBody>
+          <a:bodyPr rtlCol="0" anchor="ctr"/>
+          <a:lstStyle/>
+          <a:p>
+            <a:pPr algn="ctr"/>
+            <a:endParaRPr lang="it-IT"/>
+          </a:p>
+        </p:txBody>
+      </p:sp>
+      <p:sp>
+        <p:nvSpPr>
+          <p:cNvPr id="123" name="Rettangolo 122">
+            <a:extLst>
+              <a:ext uri="{FF2B5EF4-FFF2-40B4-BE49-F238E27FC236}">
+                <a16:creationId xmlns:a16="http://schemas.microsoft.com/office/drawing/2014/main" id="{BEC86799-21A5-1F49-9C7A-C55B473BFAC1}"/>
+              </a:ext>
+            </a:extLst>
+          </p:cNvPr>
+          <p:cNvSpPr/>
+          <p:nvPr/>
+        </p:nvSpPr>
+        <p:spPr>
+          <a:xfrm>
+            <a:off x="7494120" y="2635007"/>
+            <a:ext cx="272756" cy="324670"/>
+          </a:xfrm>
+          <a:prstGeom prst="rect">
+            <a:avLst/>
+          </a:prstGeom>
+          <a:solidFill>
+            <a:schemeClr val="tx2">
+              <a:lumMod val="20000"/>
+              <a:lumOff val="80000"/>
+            </a:schemeClr>
+          </a:solidFill>
+          <a:ln w="38100">
+            <a:solidFill>
+              <a:schemeClr val="tx2">
+                <a:lumMod val="75000"/>
+              </a:schemeClr>
+            </a:solidFill>
+          </a:ln>
+        </p:spPr>
+        <p:style>
+          <a:lnRef idx="2">
+            <a:schemeClr val="accent1">
+              <a:shade val="50000"/>
+            </a:schemeClr>
+          </a:lnRef>
+          <a:fillRef idx="1">
+            <a:schemeClr val="accent1"/>
+          </a:fillRef>
+          <a:effectRef idx="0">
+            <a:schemeClr val="accent1"/>
+          </a:effectRef>
+          <a:fontRef idx="minor">
+            <a:schemeClr val="lt1"/>
+          </a:fontRef>
+        </p:style>
+        <p:txBody>
+          <a:bodyPr rtlCol="0" anchor="ctr"/>
+          <a:lstStyle/>
+          <a:p>
+            <a:pPr algn="ctr"/>
+            <a:endParaRPr lang="it-IT"/>
+          </a:p>
+        </p:txBody>
+      </p:sp>
+      <p:sp>
+        <p:nvSpPr>
+          <p:cNvPr id="124" name="Rettangolo 123">
+            <a:extLst>
+              <a:ext uri="{FF2B5EF4-FFF2-40B4-BE49-F238E27FC236}">
+                <a16:creationId xmlns:a16="http://schemas.microsoft.com/office/drawing/2014/main" id="{09CC7680-5658-6842-8F29-CE018FC71AC5}"/>
+              </a:ext>
+            </a:extLst>
+          </p:cNvPr>
+          <p:cNvSpPr/>
+          <p:nvPr/>
+        </p:nvSpPr>
+        <p:spPr>
+          <a:xfrm>
+            <a:off x="7208014" y="2635928"/>
+            <a:ext cx="272756" cy="324670"/>
+          </a:xfrm>
+          <a:prstGeom prst="rect">
+            <a:avLst/>
+          </a:prstGeom>
+          <a:solidFill>
+            <a:schemeClr val="tx2">
+              <a:lumMod val="20000"/>
+              <a:lumOff val="80000"/>
+            </a:schemeClr>
+          </a:solidFill>
+          <a:ln w="38100">
+            <a:solidFill>
+              <a:schemeClr val="tx2">
+                <a:lumMod val="75000"/>
+              </a:schemeClr>
+            </a:solidFill>
+          </a:ln>
+        </p:spPr>
+        <p:style>
+          <a:lnRef idx="2">
+            <a:schemeClr val="accent1">
+              <a:shade val="50000"/>
+            </a:schemeClr>
+          </a:lnRef>
+          <a:fillRef idx="1">
+            <a:schemeClr val="accent1"/>
+          </a:fillRef>
+          <a:effectRef idx="0">
+            <a:schemeClr val="accent1"/>
+          </a:effectRef>
+          <a:fontRef idx="minor">
+            <a:schemeClr val="lt1"/>
+          </a:fontRef>
+        </p:style>
+        <p:txBody>
+          <a:bodyPr rtlCol="0" anchor="ctr"/>
+          <a:lstStyle/>
+          <a:p>
+            <a:pPr algn="ctr"/>
+            <a:endParaRPr lang="it-IT"/>
+          </a:p>
+        </p:txBody>
+      </p:sp>
+      <p:sp>
+        <p:nvSpPr>
+          <p:cNvPr id="125" name="Rettangolo 124">
+            <a:extLst>
+              <a:ext uri="{FF2B5EF4-FFF2-40B4-BE49-F238E27FC236}">
+                <a16:creationId xmlns:a16="http://schemas.microsoft.com/office/drawing/2014/main" id="{8B73859E-3C89-754B-819F-7664F1DFA228}"/>
+              </a:ext>
+            </a:extLst>
+          </p:cNvPr>
+          <p:cNvSpPr/>
+          <p:nvPr/>
+        </p:nvSpPr>
+        <p:spPr>
+          <a:xfrm>
+            <a:off x="6953368" y="2635007"/>
+            <a:ext cx="272756" cy="324670"/>
+          </a:xfrm>
+          <a:prstGeom prst="rect">
+            <a:avLst/>
+          </a:prstGeom>
+          <a:solidFill>
+            <a:schemeClr val="tx2">
+              <a:lumMod val="20000"/>
+              <a:lumOff val="80000"/>
+            </a:schemeClr>
+          </a:solidFill>
+          <a:ln w="38100">
+            <a:solidFill>
+              <a:schemeClr val="tx2">
+                <a:lumMod val="75000"/>
+              </a:schemeClr>
+            </a:solidFill>
+          </a:ln>
+        </p:spPr>
+        <p:style>
+          <a:lnRef idx="2">
+            <a:schemeClr val="accent1">
+              <a:shade val="50000"/>
+            </a:schemeClr>
+          </a:lnRef>
+          <a:fillRef idx="1">
+            <a:schemeClr val="accent1"/>
+          </a:fillRef>
+          <a:effectRef idx="0">
+            <a:schemeClr val="accent1"/>
+          </a:effectRef>
+          <a:fontRef idx="minor">
+            <a:schemeClr val="lt1"/>
+          </a:fontRef>
+        </p:style>
+        <p:txBody>
+          <a:bodyPr rtlCol="0" anchor="ctr"/>
+          <a:lstStyle/>
+          <a:p>
+            <a:pPr algn="ctr"/>
+            <a:endParaRPr lang="it-IT"/>
+          </a:p>
+        </p:txBody>
+      </p:sp>
+      <p:sp>
+        <p:nvSpPr>
+          <p:cNvPr id="126" name="Rettangolo 125">
+            <a:extLst>
+              <a:ext uri="{FF2B5EF4-FFF2-40B4-BE49-F238E27FC236}">
+                <a16:creationId xmlns:a16="http://schemas.microsoft.com/office/drawing/2014/main" id="{0E03F548-1664-A447-9758-DE4240248AE8}"/>
+              </a:ext>
+            </a:extLst>
+          </p:cNvPr>
+          <p:cNvSpPr/>
+          <p:nvPr/>
+        </p:nvSpPr>
+        <p:spPr>
+          <a:xfrm>
+            <a:off x="6965826" y="1085821"/>
+            <a:ext cx="272756" cy="324670"/>
+          </a:xfrm>
+          <a:prstGeom prst="rect">
+            <a:avLst/>
+          </a:prstGeom>
+          <a:solidFill>
+            <a:schemeClr val="tx2">
+              <a:lumMod val="20000"/>
+              <a:lumOff val="80000"/>
+            </a:schemeClr>
+          </a:solidFill>
+          <a:ln w="38100">
+            <a:solidFill>
+              <a:schemeClr val="tx2">
+                <a:lumMod val="75000"/>
+              </a:schemeClr>
+            </a:solidFill>
+          </a:ln>
+        </p:spPr>
+        <p:style>
+          <a:lnRef idx="2">
+            <a:schemeClr val="accent1">
+              <a:shade val="50000"/>
+            </a:schemeClr>
+          </a:lnRef>
+          <a:fillRef idx="1">
+            <a:schemeClr val="accent1"/>
+          </a:fillRef>
+          <a:effectRef idx="0">
+            <a:schemeClr val="accent1"/>
+          </a:effectRef>
+          <a:fontRef idx="minor">
+            <a:schemeClr val="lt1"/>
+          </a:fontRef>
+        </p:style>
+        <p:txBody>
+          <a:bodyPr rtlCol="0" anchor="ctr"/>
+          <a:lstStyle/>
+          <a:p>
+            <a:pPr algn="ctr"/>
+            <a:endParaRPr lang="it-IT"/>
+          </a:p>
+        </p:txBody>
+      </p:sp>
+      <p:sp>
+        <p:nvSpPr>
+          <p:cNvPr id="127" name="Rettangolo 126">
+            <a:extLst>
+              <a:ext uri="{FF2B5EF4-FFF2-40B4-BE49-F238E27FC236}">
+                <a16:creationId xmlns:a16="http://schemas.microsoft.com/office/drawing/2014/main" id="{53834E66-8DB0-F24F-9CB0-668E2A0105FA}"/>
+              </a:ext>
+            </a:extLst>
+          </p:cNvPr>
+          <p:cNvSpPr/>
+          <p:nvPr/>
+        </p:nvSpPr>
+        <p:spPr>
+          <a:xfrm>
+            <a:off x="7236045" y="1087877"/>
+            <a:ext cx="272756" cy="324670"/>
+          </a:xfrm>
+          <a:prstGeom prst="rect">
+            <a:avLst/>
+          </a:prstGeom>
+          <a:solidFill>
+            <a:schemeClr val="tx2">
+              <a:lumMod val="20000"/>
+              <a:lumOff val="80000"/>
+            </a:schemeClr>
+          </a:solidFill>
+          <a:ln w="38100">
+            <a:solidFill>
+              <a:schemeClr val="tx2">
+                <a:lumMod val="75000"/>
+              </a:schemeClr>
+            </a:solidFill>
+          </a:ln>
+        </p:spPr>
+        <p:style>
+          <a:lnRef idx="2">
+            <a:schemeClr val="accent1">
+              <a:shade val="50000"/>
+            </a:schemeClr>
+          </a:lnRef>
+          <a:fillRef idx="1">
+            <a:schemeClr val="accent1"/>
+          </a:fillRef>
+          <a:effectRef idx="0">
+            <a:schemeClr val="accent1"/>
+          </a:effectRef>
+          <a:fontRef idx="minor">
+            <a:schemeClr val="lt1"/>
+          </a:fontRef>
+        </p:style>
+        <p:txBody>
+          <a:bodyPr rtlCol="0" anchor="ctr"/>
+          <a:lstStyle/>
+          <a:p>
+            <a:pPr algn="ctr"/>
+            <a:endParaRPr lang="it-IT"/>
+          </a:p>
+        </p:txBody>
+      </p:sp>
+      <p:sp>
+        <p:nvSpPr>
+          <p:cNvPr id="128" name="Rettangolo 127">
+            <a:extLst>
+              <a:ext uri="{FF2B5EF4-FFF2-40B4-BE49-F238E27FC236}">
+                <a16:creationId xmlns:a16="http://schemas.microsoft.com/office/drawing/2014/main" id="{7AEE60E9-7EB9-4148-81DA-D7C6D75E4124}"/>
+              </a:ext>
+            </a:extLst>
+          </p:cNvPr>
+          <p:cNvSpPr/>
+          <p:nvPr/>
+        </p:nvSpPr>
+        <p:spPr>
+          <a:xfrm>
+            <a:off x="7505075" y="1087876"/>
+            <a:ext cx="562457" cy="626455"/>
+          </a:xfrm>
+          <a:prstGeom prst="rect">
+            <a:avLst/>
+          </a:prstGeom>
+          <a:solidFill>
+            <a:schemeClr val="tx2">
+              <a:lumMod val="20000"/>
+              <a:lumOff val="80000"/>
+            </a:schemeClr>
+          </a:solidFill>
+          <a:ln w="38100">
+            <a:solidFill>
+              <a:schemeClr val="tx2">
+                <a:lumMod val="75000"/>
+              </a:schemeClr>
+            </a:solidFill>
+          </a:ln>
+        </p:spPr>
+        <p:style>
+          <a:lnRef idx="2">
+            <a:schemeClr val="accent1">
+              <a:shade val="50000"/>
+            </a:schemeClr>
+          </a:lnRef>
+          <a:fillRef idx="1">
+            <a:schemeClr val="accent1"/>
+          </a:fillRef>
+          <a:effectRef idx="0">
+            <a:schemeClr val="accent1"/>
+          </a:effectRef>
+          <a:fontRef idx="minor">
+            <a:schemeClr val="lt1"/>
+          </a:fontRef>
+        </p:style>
+        <p:txBody>
+          <a:bodyPr rtlCol="0" anchor="ctr"/>
+          <a:lstStyle/>
+          <a:p>
+            <a:pPr algn="ctr"/>
+            <a:endParaRPr lang="it-IT"/>
+          </a:p>
+        </p:txBody>
+      </p:sp>
+      <p:sp>
+        <p:nvSpPr>
+          <p:cNvPr id="130" name="Rettangolo 129">
+            <a:extLst>
+              <a:ext uri="{FF2B5EF4-FFF2-40B4-BE49-F238E27FC236}">
+                <a16:creationId xmlns:a16="http://schemas.microsoft.com/office/drawing/2014/main" id="{C17EE7F2-7479-C441-AC92-8ADC31C164A0}"/>
+              </a:ext>
+            </a:extLst>
+          </p:cNvPr>
+          <p:cNvSpPr/>
+          <p:nvPr/>
+        </p:nvSpPr>
+        <p:spPr>
+          <a:xfrm>
+            <a:off x="8467903" y="2625030"/>
+            <a:ext cx="441039" cy="324670"/>
+          </a:xfrm>
+          <a:prstGeom prst="rect">
+            <a:avLst/>
+          </a:prstGeom>
+          <a:solidFill>
+            <a:schemeClr val="tx2">
+              <a:lumMod val="20000"/>
+              <a:lumOff val="80000"/>
+            </a:schemeClr>
+          </a:solidFill>
+          <a:ln w="38100">
+            <a:solidFill>
+              <a:schemeClr val="tx2">
+                <a:lumMod val="75000"/>
+              </a:schemeClr>
+            </a:solidFill>
+          </a:ln>
+        </p:spPr>
+        <p:style>
+          <a:lnRef idx="2">
+            <a:schemeClr val="accent1">
+              <a:shade val="50000"/>
+            </a:schemeClr>
+          </a:lnRef>
+          <a:fillRef idx="1">
+            <a:schemeClr val="accent1"/>
+          </a:fillRef>
+          <a:effectRef idx="0">
+            <a:schemeClr val="accent1"/>
+          </a:effectRef>
+          <a:fontRef idx="minor">
+            <a:schemeClr val="lt1"/>
+          </a:fontRef>
+        </p:style>
+        <p:txBody>
+          <a:bodyPr rtlCol="0" anchor="ctr"/>
+          <a:lstStyle/>
+          <a:p>
+            <a:pPr algn="ctr"/>
+            <a:endParaRPr lang="it-IT"/>
+          </a:p>
+        </p:txBody>
+      </p:sp>
+      <p:sp>
+        <p:nvSpPr>
+          <p:cNvPr id="131" name="Rettangolo 130">
+            <a:extLst>
+              <a:ext uri="{FF2B5EF4-FFF2-40B4-BE49-F238E27FC236}">
+                <a16:creationId xmlns:a16="http://schemas.microsoft.com/office/drawing/2014/main" id="{8A04EFF6-BE92-EF4E-8DBF-999A2E316ECB}"/>
+              </a:ext>
+            </a:extLst>
+          </p:cNvPr>
+          <p:cNvSpPr/>
+          <p:nvPr/>
+        </p:nvSpPr>
+        <p:spPr>
+          <a:xfrm>
+            <a:off x="8907660" y="2625030"/>
+            <a:ext cx="752448" cy="324670"/>
+          </a:xfrm>
+          <a:prstGeom prst="rect">
+            <a:avLst/>
+          </a:prstGeom>
+          <a:solidFill>
+            <a:schemeClr val="tx2">
+              <a:lumMod val="20000"/>
+              <a:lumOff val="80000"/>
+            </a:schemeClr>
+          </a:solidFill>
+          <a:ln w="38100">
+            <a:solidFill>
+              <a:schemeClr val="tx2">
+                <a:lumMod val="75000"/>
+              </a:schemeClr>
+            </a:solidFill>
+          </a:ln>
+        </p:spPr>
+        <p:style>
+          <a:lnRef idx="2">
+            <a:schemeClr val="accent1">
+              <a:shade val="50000"/>
+            </a:schemeClr>
+          </a:lnRef>
+          <a:fillRef idx="1">
+            <a:schemeClr val="accent1"/>
+          </a:fillRef>
+          <a:effectRef idx="0">
+            <a:schemeClr val="accent1"/>
+          </a:effectRef>
+          <a:fontRef idx="minor">
+            <a:schemeClr val="lt1"/>
+          </a:fontRef>
+        </p:style>
+        <p:txBody>
+          <a:bodyPr rtlCol="0" anchor="ctr"/>
+          <a:lstStyle/>
+          <a:p>
+            <a:pPr algn="ctr"/>
+            <a:endParaRPr lang="it-IT"/>
+          </a:p>
+        </p:txBody>
+      </p:sp>
+      <p:sp>
+        <p:nvSpPr>
+          <p:cNvPr id="132" name="Rettangolo 131">
+            <a:extLst>
+              <a:ext uri="{FF2B5EF4-FFF2-40B4-BE49-F238E27FC236}">
+                <a16:creationId xmlns:a16="http://schemas.microsoft.com/office/drawing/2014/main" id="{EAED040D-B00D-CB43-AA24-DCE38208F53F}"/>
+              </a:ext>
+            </a:extLst>
+          </p:cNvPr>
+          <p:cNvSpPr/>
+          <p:nvPr/>
+        </p:nvSpPr>
+        <p:spPr>
+          <a:xfrm>
+            <a:off x="9654111" y="2625030"/>
+            <a:ext cx="272756" cy="324670"/>
+          </a:xfrm>
+          <a:prstGeom prst="rect">
+            <a:avLst/>
+          </a:prstGeom>
+          <a:solidFill>
+            <a:schemeClr val="tx2">
+              <a:lumMod val="20000"/>
+              <a:lumOff val="80000"/>
+            </a:schemeClr>
+          </a:solidFill>
+          <a:ln w="38100">
+            <a:solidFill>
+              <a:schemeClr val="tx2">
+                <a:lumMod val="75000"/>
+              </a:schemeClr>
+            </a:solidFill>
+          </a:ln>
+        </p:spPr>
+        <p:style>
+          <a:lnRef idx="2">
+            <a:schemeClr val="accent1">
+              <a:shade val="50000"/>
+            </a:schemeClr>
+          </a:lnRef>
+          <a:fillRef idx="1">
+            <a:schemeClr val="accent1"/>
+          </a:fillRef>
+          <a:effectRef idx="0">
+            <a:schemeClr val="accent1"/>
+          </a:effectRef>
+          <a:fontRef idx="minor">
+            <a:schemeClr val="lt1"/>
+          </a:fontRef>
+        </p:style>
+        <p:txBody>
+          <a:bodyPr rtlCol="0" anchor="ctr"/>
+          <a:lstStyle/>
+          <a:p>
+            <a:pPr algn="ctr"/>
+            <a:endParaRPr lang="it-IT"/>
+          </a:p>
+        </p:txBody>
+      </p:sp>
+      <p:sp>
+        <p:nvSpPr>
+          <p:cNvPr id="133" name="Rettangolo 132">
+            <a:extLst>
+              <a:ext uri="{FF2B5EF4-FFF2-40B4-BE49-F238E27FC236}">
+                <a16:creationId xmlns:a16="http://schemas.microsoft.com/office/drawing/2014/main" id="{E1DEA9E3-5B6F-0F41-8F3C-B53BEBCAA809}"/>
+              </a:ext>
+            </a:extLst>
+          </p:cNvPr>
+          <p:cNvSpPr/>
+          <p:nvPr/>
+        </p:nvSpPr>
+        <p:spPr>
+          <a:xfrm>
+            <a:off x="9937628" y="2620798"/>
+            <a:ext cx="272756" cy="324670"/>
+          </a:xfrm>
+          <a:prstGeom prst="rect">
+            <a:avLst/>
+          </a:prstGeom>
+          <a:solidFill>
+            <a:schemeClr val="tx2">
+              <a:lumMod val="20000"/>
+              <a:lumOff val="80000"/>
+            </a:schemeClr>
+          </a:solidFill>
+          <a:ln w="38100">
+            <a:solidFill>
+              <a:schemeClr val="tx2">
+                <a:lumMod val="75000"/>
+              </a:schemeClr>
+            </a:solidFill>
+          </a:ln>
+        </p:spPr>
+        <p:style>
+          <a:lnRef idx="2">
+            <a:schemeClr val="accent1">
+              <a:shade val="50000"/>
+            </a:schemeClr>
+          </a:lnRef>
+          <a:fillRef idx="1">
+            <a:schemeClr val="accent1"/>
+          </a:fillRef>
+          <a:effectRef idx="0">
+            <a:schemeClr val="accent1"/>
+          </a:effectRef>
+          <a:fontRef idx="minor">
+            <a:schemeClr val="lt1"/>
+          </a:fontRef>
+        </p:style>
+        <p:txBody>
+          <a:bodyPr rtlCol="0" anchor="ctr"/>
+          <a:lstStyle/>
+          <a:p>
+            <a:pPr algn="ctr"/>
+            <a:endParaRPr lang="it-IT"/>
+          </a:p>
+        </p:txBody>
+      </p:sp>
+      <p:sp>
+        <p:nvSpPr>
+          <p:cNvPr id="134" name="Rettangolo 133">
+            <a:extLst>
+              <a:ext uri="{FF2B5EF4-FFF2-40B4-BE49-F238E27FC236}">
+                <a16:creationId xmlns:a16="http://schemas.microsoft.com/office/drawing/2014/main" id="{16238D71-90F4-144A-885B-135113DA1D1B}"/>
+              </a:ext>
+            </a:extLst>
+          </p:cNvPr>
+          <p:cNvSpPr/>
+          <p:nvPr/>
+        </p:nvSpPr>
+        <p:spPr>
+          <a:xfrm>
+            <a:off x="10211496" y="2625030"/>
+            <a:ext cx="272756" cy="324670"/>
+          </a:xfrm>
+          <a:prstGeom prst="rect">
+            <a:avLst/>
+          </a:prstGeom>
+          <a:solidFill>
+            <a:schemeClr val="tx2">
+              <a:lumMod val="20000"/>
+              <a:lumOff val="80000"/>
+            </a:schemeClr>
+          </a:solidFill>
+          <a:ln w="38100">
+            <a:solidFill>
+              <a:schemeClr val="tx2">
+                <a:lumMod val="75000"/>
+              </a:schemeClr>
+            </a:solidFill>
+          </a:ln>
+        </p:spPr>
+        <p:style>
+          <a:lnRef idx="2">
+            <a:schemeClr val="accent1">
+              <a:shade val="50000"/>
+            </a:schemeClr>
+          </a:lnRef>
+          <a:fillRef idx="1">
+            <a:schemeClr val="accent1"/>
+          </a:fillRef>
+          <a:effectRef idx="0">
+            <a:schemeClr val="accent1"/>
+          </a:effectRef>
+          <a:fontRef idx="minor">
+            <a:schemeClr val="lt1"/>
+          </a:fontRef>
+        </p:style>
+        <p:txBody>
+          <a:bodyPr rtlCol="0" anchor="ctr"/>
+          <a:lstStyle/>
+          <a:p>
+            <a:pPr algn="ctr"/>
+            <a:endParaRPr lang="it-IT"/>
+          </a:p>
+        </p:txBody>
+      </p:sp>
+      <p:sp>
+        <p:nvSpPr>
+          <p:cNvPr id="135" name="Rettangolo 134">
+            <a:extLst>
+              <a:ext uri="{FF2B5EF4-FFF2-40B4-BE49-F238E27FC236}">
+                <a16:creationId xmlns:a16="http://schemas.microsoft.com/office/drawing/2014/main" id="{E4782538-74CB-B246-87ED-7D27979A5C6E}"/>
+              </a:ext>
+            </a:extLst>
+          </p:cNvPr>
+          <p:cNvSpPr/>
+          <p:nvPr/>
+        </p:nvSpPr>
+        <p:spPr>
+          <a:xfrm>
+            <a:off x="8475575" y="1085821"/>
+            <a:ext cx="441039" cy="324670"/>
+          </a:xfrm>
+          <a:prstGeom prst="rect">
+            <a:avLst/>
+          </a:prstGeom>
+          <a:solidFill>
+            <a:schemeClr val="tx2">
+              <a:lumMod val="20000"/>
+              <a:lumOff val="80000"/>
+            </a:schemeClr>
+          </a:solidFill>
+          <a:ln w="38100">
+            <a:solidFill>
+              <a:schemeClr val="tx2">
+                <a:lumMod val="75000"/>
+              </a:schemeClr>
+            </a:solidFill>
+          </a:ln>
+        </p:spPr>
+        <p:style>
+          <a:lnRef idx="2">
+            <a:schemeClr val="accent1">
+              <a:shade val="50000"/>
+            </a:schemeClr>
+          </a:lnRef>
+          <a:fillRef idx="1">
+            <a:schemeClr val="accent1"/>
+          </a:fillRef>
+          <a:effectRef idx="0">
+            <a:schemeClr val="accent1"/>
+          </a:effectRef>
+          <a:fontRef idx="minor">
+            <a:schemeClr val="lt1"/>
+          </a:fontRef>
+        </p:style>
+        <p:txBody>
+          <a:bodyPr rtlCol="0" anchor="ctr"/>
+          <a:lstStyle/>
+          <a:p>
+            <a:pPr algn="ctr"/>
+            <a:endParaRPr lang="it-IT"/>
+          </a:p>
+        </p:txBody>
+      </p:sp>
+      <p:sp>
+        <p:nvSpPr>
+          <p:cNvPr id="136" name="Rettangolo 135">
+            <a:extLst>
+              <a:ext uri="{FF2B5EF4-FFF2-40B4-BE49-F238E27FC236}">
+                <a16:creationId xmlns:a16="http://schemas.microsoft.com/office/drawing/2014/main" id="{F2BB0C6E-A7F5-2C4C-892A-E08B0E623F9E}"/>
+              </a:ext>
+            </a:extLst>
+          </p:cNvPr>
+          <p:cNvSpPr/>
+          <p:nvPr/>
+        </p:nvSpPr>
+        <p:spPr>
+          <a:xfrm>
+            <a:off x="8915332" y="1085821"/>
+            <a:ext cx="752448" cy="324670"/>
+          </a:xfrm>
+          <a:prstGeom prst="rect">
+            <a:avLst/>
+          </a:prstGeom>
+          <a:solidFill>
+            <a:schemeClr val="tx2">
+              <a:lumMod val="20000"/>
+              <a:lumOff val="80000"/>
+            </a:schemeClr>
+          </a:solidFill>
+          <a:ln w="38100">
+            <a:solidFill>
+              <a:schemeClr val="tx2">
+                <a:lumMod val="75000"/>
+              </a:schemeClr>
+            </a:solidFill>
+          </a:ln>
+        </p:spPr>
+        <p:style>
+          <a:lnRef idx="2">
+            <a:schemeClr val="accent1">
+              <a:shade val="50000"/>
+            </a:schemeClr>
+          </a:lnRef>
+          <a:fillRef idx="1">
+            <a:schemeClr val="accent1"/>
+          </a:fillRef>
+          <a:effectRef idx="0">
+            <a:schemeClr val="accent1"/>
+          </a:effectRef>
+          <a:fontRef idx="minor">
+            <a:schemeClr val="lt1"/>
+          </a:fontRef>
+        </p:style>
+        <p:txBody>
+          <a:bodyPr rtlCol="0" anchor="ctr"/>
+          <a:lstStyle/>
+          <a:p>
+            <a:pPr algn="ctr"/>
+            <a:endParaRPr lang="it-IT"/>
+          </a:p>
+        </p:txBody>
+      </p:sp>
+      <p:sp>
+        <p:nvSpPr>
+          <p:cNvPr id="137" name="Rettangolo 136">
+            <a:extLst>
+              <a:ext uri="{FF2B5EF4-FFF2-40B4-BE49-F238E27FC236}">
+                <a16:creationId xmlns:a16="http://schemas.microsoft.com/office/drawing/2014/main" id="{169C4B4E-E720-674F-BB35-E28368E94895}"/>
+              </a:ext>
+            </a:extLst>
+          </p:cNvPr>
+          <p:cNvSpPr/>
+          <p:nvPr/>
+        </p:nvSpPr>
+        <p:spPr>
+          <a:xfrm>
+            <a:off x="9661783" y="1085821"/>
+            <a:ext cx="272756" cy="324670"/>
+          </a:xfrm>
+          <a:prstGeom prst="rect">
+            <a:avLst/>
+          </a:prstGeom>
+          <a:solidFill>
+            <a:schemeClr val="tx2">
+              <a:lumMod val="20000"/>
+              <a:lumOff val="80000"/>
+            </a:schemeClr>
+          </a:solidFill>
+          <a:ln w="38100">
+            <a:solidFill>
+              <a:schemeClr val="tx2">
+                <a:lumMod val="75000"/>
+              </a:schemeClr>
+            </a:solidFill>
+          </a:ln>
+        </p:spPr>
+        <p:style>
+          <a:lnRef idx="2">
+            <a:schemeClr val="accent1">
+              <a:shade val="50000"/>
+            </a:schemeClr>
+          </a:lnRef>
+          <a:fillRef idx="1">
+            <a:schemeClr val="accent1"/>
+          </a:fillRef>
+          <a:effectRef idx="0">
+            <a:schemeClr val="accent1"/>
+          </a:effectRef>
+          <a:fontRef idx="minor">
+            <a:schemeClr val="lt1"/>
+          </a:fontRef>
+        </p:style>
+        <p:txBody>
+          <a:bodyPr rtlCol="0" anchor="ctr"/>
+          <a:lstStyle/>
+          <a:p>
+            <a:pPr algn="ctr"/>
+            <a:endParaRPr lang="it-IT"/>
+          </a:p>
+        </p:txBody>
+      </p:sp>
+      <p:sp>
+        <p:nvSpPr>
+          <p:cNvPr id="138" name="Rettangolo 137">
+            <a:extLst>
+              <a:ext uri="{FF2B5EF4-FFF2-40B4-BE49-F238E27FC236}">
+                <a16:creationId xmlns:a16="http://schemas.microsoft.com/office/drawing/2014/main" id="{521B1F7D-9624-C04F-9D7D-D0BA631CEB3E}"/>
+              </a:ext>
+            </a:extLst>
+          </p:cNvPr>
+          <p:cNvSpPr/>
+          <p:nvPr/>
+        </p:nvSpPr>
+        <p:spPr>
+          <a:xfrm>
+            <a:off x="9937743" y="1089146"/>
+            <a:ext cx="272756" cy="324670"/>
+          </a:xfrm>
+          <a:prstGeom prst="rect">
+            <a:avLst/>
+          </a:prstGeom>
+          <a:solidFill>
+            <a:schemeClr val="tx2">
+              <a:lumMod val="20000"/>
+              <a:lumOff val="80000"/>
+            </a:schemeClr>
+          </a:solidFill>
+          <a:ln w="38100">
+            <a:solidFill>
+              <a:schemeClr val="tx2">
+                <a:lumMod val="75000"/>
+              </a:schemeClr>
+            </a:solidFill>
+          </a:ln>
+        </p:spPr>
+        <p:style>
+          <a:lnRef idx="2">
+            <a:schemeClr val="accent1">
+              <a:shade val="50000"/>
+            </a:schemeClr>
+          </a:lnRef>
+          <a:fillRef idx="1">
+            <a:schemeClr val="accent1"/>
+          </a:fillRef>
+          <a:effectRef idx="0">
+            <a:schemeClr val="accent1"/>
+          </a:effectRef>
+          <a:fontRef idx="minor">
+            <a:schemeClr val="lt1"/>
+          </a:fontRef>
+        </p:style>
+        <p:txBody>
+          <a:bodyPr rtlCol="0" anchor="ctr"/>
+          <a:lstStyle/>
+          <a:p>
+            <a:pPr algn="ctr"/>
+            <a:endParaRPr lang="it-IT"/>
+          </a:p>
+        </p:txBody>
+      </p:sp>
+      <p:sp>
+        <p:nvSpPr>
+          <p:cNvPr id="139" name="Rettangolo 138">
+            <a:extLst>
+              <a:ext uri="{FF2B5EF4-FFF2-40B4-BE49-F238E27FC236}">
+                <a16:creationId xmlns:a16="http://schemas.microsoft.com/office/drawing/2014/main" id="{7043028A-C60D-D646-80D3-2F574D14A3C1}"/>
+              </a:ext>
+            </a:extLst>
+          </p:cNvPr>
+          <p:cNvSpPr/>
+          <p:nvPr/>
+        </p:nvSpPr>
+        <p:spPr>
+          <a:xfrm>
+            <a:off x="10211611" y="1085821"/>
+            <a:ext cx="272756" cy="324670"/>
+          </a:xfrm>
+          <a:prstGeom prst="rect">
+            <a:avLst/>
+          </a:prstGeom>
+          <a:solidFill>
+            <a:schemeClr val="tx2">
+              <a:lumMod val="20000"/>
+              <a:lumOff val="80000"/>
+            </a:schemeClr>
+          </a:solidFill>
+          <a:ln w="38100">
+            <a:solidFill>
+              <a:schemeClr val="tx2">
+                <a:lumMod val="75000"/>
+              </a:schemeClr>
+            </a:solidFill>
+          </a:ln>
+        </p:spPr>
+        <p:style>
+          <a:lnRef idx="2">
+            <a:schemeClr val="accent1">
+              <a:shade val="50000"/>
+            </a:schemeClr>
+          </a:lnRef>
+          <a:fillRef idx="1">
+            <a:schemeClr val="accent1"/>
+          </a:fillRef>
+          <a:effectRef idx="0">
+            <a:schemeClr val="accent1"/>
+          </a:effectRef>
+          <a:fontRef idx="minor">
+            <a:schemeClr val="lt1"/>
+          </a:fontRef>
+        </p:style>
+        <p:txBody>
+          <a:bodyPr rtlCol="0" anchor="ctr"/>
+          <a:lstStyle/>
+          <a:p>
+            <a:pPr algn="ctr"/>
+            <a:endParaRPr lang="it-IT"/>
+          </a:p>
+        </p:txBody>
+      </p:sp>
+      <p:sp>
+        <p:nvSpPr>
+          <p:cNvPr id="140" name="Rettangolo 139">
+            <a:extLst>
+              <a:ext uri="{FF2B5EF4-FFF2-40B4-BE49-F238E27FC236}">
+                <a16:creationId xmlns:a16="http://schemas.microsoft.com/office/drawing/2014/main" id="{497B7B2E-08B3-D540-995D-9101D5EFBC60}"/>
+              </a:ext>
+            </a:extLst>
+          </p:cNvPr>
+          <p:cNvSpPr/>
+          <p:nvPr/>
+        </p:nvSpPr>
+        <p:spPr>
+          <a:xfrm>
+            <a:off x="10799509" y="1392187"/>
+            <a:ext cx="366688" cy="324670"/>
+          </a:xfrm>
+          <a:prstGeom prst="rect">
+            <a:avLst/>
+          </a:prstGeom>
+          <a:solidFill>
+            <a:schemeClr val="tx2">
+              <a:lumMod val="20000"/>
+              <a:lumOff val="80000"/>
+            </a:schemeClr>
+          </a:solidFill>
+          <a:ln w="38100">
+            <a:solidFill>
+              <a:schemeClr val="tx2">
+                <a:lumMod val="75000"/>
+              </a:schemeClr>
+            </a:solidFill>
+          </a:ln>
+        </p:spPr>
+        <p:style>
+          <a:lnRef idx="2">
+            <a:schemeClr val="accent1">
+              <a:shade val="50000"/>
+            </a:schemeClr>
+          </a:lnRef>
+          <a:fillRef idx="1">
+            <a:schemeClr val="accent1"/>
+          </a:fillRef>
+          <a:effectRef idx="0">
+            <a:schemeClr val="accent1"/>
+          </a:effectRef>
+          <a:fontRef idx="minor">
+            <a:schemeClr val="lt1"/>
+          </a:fontRef>
+        </p:style>
+        <p:txBody>
+          <a:bodyPr rtlCol="0" anchor="ctr"/>
+          <a:lstStyle/>
+          <a:p>
+            <a:pPr algn="ctr"/>
+            <a:endParaRPr lang="it-IT"/>
+          </a:p>
+        </p:txBody>
+      </p:sp>
+      <p:sp>
+        <p:nvSpPr>
+          <p:cNvPr id="141" name="Rettangolo 140">
+            <a:extLst>
+              <a:ext uri="{FF2B5EF4-FFF2-40B4-BE49-F238E27FC236}">
+                <a16:creationId xmlns:a16="http://schemas.microsoft.com/office/drawing/2014/main" id="{CC2E0BBB-120C-D34C-A337-57224CB51879}"/>
+              </a:ext>
+            </a:extLst>
+          </p:cNvPr>
+          <p:cNvSpPr/>
+          <p:nvPr/>
+        </p:nvSpPr>
+        <p:spPr>
+          <a:xfrm>
+            <a:off x="10799509" y="1715815"/>
+            <a:ext cx="366688" cy="324670"/>
+          </a:xfrm>
+          <a:prstGeom prst="rect">
+            <a:avLst/>
+          </a:prstGeom>
+          <a:solidFill>
             <a:schemeClr val="accent4">
-              <a:lumMod val="40000"/>
-              <a:lumOff val="60000"/>
+              <a:lumMod val="60000"/>
+              <a:lumOff val="40000"/>
             </a:schemeClr>
           </a:solidFill>
           <a:ln w="38100">
@@ -8649,2374 +11019,14 @@
           <a:p>
             <a:pPr algn="ctr"/>
             <a:r>
-              <a:rPr lang="it-IT" sz="800" dirty="0">
+              <a:rPr lang="it-IT" sz="1000" dirty="0">
                 <a:solidFill>
                   <a:schemeClr val="tx1"/>
                 </a:solidFill>
                 <a:latin typeface="Bahnschrift" panose="020B0502040204020203" pitchFamily="34" charset="0"/>
               </a:rPr>
-              <a:t>JS</a:t>
+              <a:t>GB</a:t>
             </a:r>
-          </a:p>
-        </p:txBody>
-      </p:sp>
-      <p:sp>
-        <p:nvSpPr>
-          <p:cNvPr id="98" name="Rettangolo 97">
-            <a:extLst>
-              <a:ext uri="{FF2B5EF4-FFF2-40B4-BE49-F238E27FC236}">
-                <a16:creationId xmlns:a16="http://schemas.microsoft.com/office/drawing/2014/main" id="{083E6B15-BF30-9940-90BC-3506A98F6E1D}"/>
-              </a:ext>
-            </a:extLst>
-          </p:cNvPr>
-          <p:cNvSpPr/>
-          <p:nvPr/>
-        </p:nvSpPr>
-        <p:spPr>
-          <a:xfrm>
-            <a:off x="2443599" y="1416469"/>
-            <a:ext cx="994847" cy="598102"/>
-          </a:xfrm>
-          <a:prstGeom prst="rect">
-            <a:avLst/>
-          </a:prstGeom>
-          <a:solidFill>
-            <a:schemeClr val="tx2">
-              <a:lumMod val="20000"/>
-              <a:lumOff val="80000"/>
-            </a:schemeClr>
-          </a:solidFill>
-          <a:ln w="38100">
-            <a:solidFill>
-              <a:schemeClr val="tx2">
-                <a:lumMod val="75000"/>
-              </a:schemeClr>
-            </a:solidFill>
-          </a:ln>
-        </p:spPr>
-        <p:style>
-          <a:lnRef idx="2">
-            <a:schemeClr val="accent1">
-              <a:shade val="50000"/>
-            </a:schemeClr>
-          </a:lnRef>
-          <a:fillRef idx="1">
-            <a:schemeClr val="accent1"/>
-          </a:fillRef>
-          <a:effectRef idx="0">
-            <a:schemeClr val="accent1"/>
-          </a:effectRef>
-          <a:fontRef idx="minor">
-            <a:schemeClr val="lt1"/>
-          </a:fontRef>
-        </p:style>
-        <p:txBody>
-          <a:bodyPr rtlCol="0" anchor="ctr"/>
-          <a:lstStyle/>
-          <a:p>
-            <a:pPr algn="ctr"/>
-            <a:endParaRPr lang="it-IT"/>
-          </a:p>
-        </p:txBody>
-      </p:sp>
-      <p:sp>
-        <p:nvSpPr>
-          <p:cNvPr id="99" name="Rettangolo 98">
-            <a:extLst>
-              <a:ext uri="{FF2B5EF4-FFF2-40B4-BE49-F238E27FC236}">
-                <a16:creationId xmlns:a16="http://schemas.microsoft.com/office/drawing/2014/main" id="{97DEDA43-0525-1D44-A733-663402E80D04}"/>
-              </a:ext>
-            </a:extLst>
-          </p:cNvPr>
-          <p:cNvSpPr/>
-          <p:nvPr/>
-        </p:nvSpPr>
-        <p:spPr>
-          <a:xfrm>
-            <a:off x="2443599" y="2014570"/>
-            <a:ext cx="994847" cy="622831"/>
-          </a:xfrm>
-          <a:prstGeom prst="rect">
-            <a:avLst/>
-          </a:prstGeom>
-          <a:solidFill>
-            <a:schemeClr val="tx2">
-              <a:lumMod val="20000"/>
-              <a:lumOff val="80000"/>
-            </a:schemeClr>
-          </a:solidFill>
-          <a:ln w="38100">
-            <a:solidFill>
-              <a:schemeClr val="tx2">
-                <a:lumMod val="75000"/>
-              </a:schemeClr>
-            </a:solidFill>
-          </a:ln>
-        </p:spPr>
-        <p:style>
-          <a:lnRef idx="2">
-            <a:schemeClr val="accent1">
-              <a:shade val="50000"/>
-            </a:schemeClr>
-          </a:lnRef>
-          <a:fillRef idx="1">
-            <a:schemeClr val="accent1"/>
-          </a:fillRef>
-          <a:effectRef idx="0">
-            <a:schemeClr val="accent1"/>
-          </a:effectRef>
-          <a:fontRef idx="minor">
-            <a:schemeClr val="lt1"/>
-          </a:fontRef>
-        </p:style>
-        <p:txBody>
-          <a:bodyPr rtlCol="0" anchor="ctr"/>
-          <a:lstStyle/>
-          <a:p>
-            <a:pPr algn="ctr"/>
-            <a:endParaRPr lang="it-IT"/>
-          </a:p>
-        </p:txBody>
-      </p:sp>
-      <p:sp>
-        <p:nvSpPr>
-          <p:cNvPr id="100" name="Rettangolo 99">
-            <a:extLst>
-              <a:ext uri="{FF2B5EF4-FFF2-40B4-BE49-F238E27FC236}">
-                <a16:creationId xmlns:a16="http://schemas.microsoft.com/office/drawing/2014/main" id="{367DA5F2-732C-674B-AB8E-E34197E6CC38}"/>
-              </a:ext>
-            </a:extLst>
-          </p:cNvPr>
-          <p:cNvSpPr/>
-          <p:nvPr/>
-        </p:nvSpPr>
-        <p:spPr>
-          <a:xfrm>
-            <a:off x="2443599" y="2635928"/>
-            <a:ext cx="994847" cy="324670"/>
-          </a:xfrm>
-          <a:prstGeom prst="rect">
-            <a:avLst/>
-          </a:prstGeom>
-          <a:solidFill>
-            <a:schemeClr val="tx2">
-              <a:lumMod val="20000"/>
-              <a:lumOff val="80000"/>
-            </a:schemeClr>
-          </a:solidFill>
-          <a:ln w="38100">
-            <a:solidFill>
-              <a:schemeClr val="tx2">
-                <a:lumMod val="75000"/>
-              </a:schemeClr>
-            </a:solidFill>
-          </a:ln>
-        </p:spPr>
-        <p:style>
-          <a:lnRef idx="2">
-            <a:schemeClr val="accent1">
-              <a:shade val="50000"/>
-            </a:schemeClr>
-          </a:lnRef>
-          <a:fillRef idx="1">
-            <a:schemeClr val="accent1"/>
-          </a:fillRef>
-          <a:effectRef idx="0">
-            <a:schemeClr val="accent1"/>
-          </a:effectRef>
-          <a:fontRef idx="minor">
-            <a:schemeClr val="lt1"/>
-          </a:fontRef>
-        </p:style>
-        <p:txBody>
-          <a:bodyPr rtlCol="0" anchor="ctr"/>
-          <a:lstStyle/>
-          <a:p>
-            <a:pPr algn="ctr"/>
-            <a:endParaRPr lang="it-IT"/>
-          </a:p>
-        </p:txBody>
-      </p:sp>
-      <p:sp>
-        <p:nvSpPr>
-          <p:cNvPr id="101" name="Rettangolo 100">
-            <a:extLst>
-              <a:ext uri="{FF2B5EF4-FFF2-40B4-BE49-F238E27FC236}">
-                <a16:creationId xmlns:a16="http://schemas.microsoft.com/office/drawing/2014/main" id="{893AA2EA-4955-F14F-8966-120A33492B60}"/>
-              </a:ext>
-            </a:extLst>
-          </p:cNvPr>
-          <p:cNvSpPr/>
-          <p:nvPr/>
-        </p:nvSpPr>
-        <p:spPr>
-          <a:xfrm>
-            <a:off x="1889596" y="1085821"/>
-            <a:ext cx="243086" cy="324670"/>
-          </a:xfrm>
-          <a:prstGeom prst="rect">
-            <a:avLst/>
-          </a:prstGeom>
-          <a:solidFill>
-            <a:schemeClr val="tx2">
-              <a:lumMod val="20000"/>
-              <a:lumOff val="80000"/>
-            </a:schemeClr>
-          </a:solidFill>
-          <a:ln w="38100">
-            <a:solidFill>
-              <a:schemeClr val="tx2">
-                <a:lumMod val="75000"/>
-              </a:schemeClr>
-            </a:solidFill>
-          </a:ln>
-        </p:spPr>
-        <p:style>
-          <a:lnRef idx="2">
-            <a:schemeClr val="accent1">
-              <a:shade val="50000"/>
-            </a:schemeClr>
-          </a:lnRef>
-          <a:fillRef idx="1">
-            <a:schemeClr val="accent1"/>
-          </a:fillRef>
-          <a:effectRef idx="0">
-            <a:schemeClr val="accent1"/>
-          </a:effectRef>
-          <a:fontRef idx="minor">
-            <a:schemeClr val="lt1"/>
-          </a:fontRef>
-        </p:style>
-        <p:txBody>
-          <a:bodyPr rtlCol="0" anchor="ctr"/>
-          <a:lstStyle/>
-          <a:p>
-            <a:pPr algn="ctr"/>
-            <a:endParaRPr lang="it-IT"/>
-          </a:p>
-        </p:txBody>
-      </p:sp>
-      <p:sp>
-        <p:nvSpPr>
-          <p:cNvPr id="102" name="Rettangolo 101">
-            <a:extLst>
-              <a:ext uri="{FF2B5EF4-FFF2-40B4-BE49-F238E27FC236}">
-                <a16:creationId xmlns:a16="http://schemas.microsoft.com/office/drawing/2014/main" id="{E34462BC-909B-8645-AB73-B5C3A89B7C64}"/>
-              </a:ext>
-            </a:extLst>
-          </p:cNvPr>
-          <p:cNvSpPr/>
-          <p:nvPr/>
-        </p:nvSpPr>
-        <p:spPr>
-          <a:xfrm>
-            <a:off x="60455" y="166254"/>
-            <a:ext cx="898055" cy="702803"/>
-          </a:xfrm>
-          <a:prstGeom prst="rect">
-            <a:avLst/>
-          </a:prstGeom>
-          <a:solidFill>
-            <a:schemeClr val="tx2">
-              <a:lumMod val="20000"/>
-              <a:lumOff val="80000"/>
-            </a:schemeClr>
-          </a:solidFill>
-          <a:ln w="38100">
-            <a:solidFill>
-              <a:schemeClr val="tx2">
-                <a:lumMod val="75000"/>
-              </a:schemeClr>
-            </a:solidFill>
-          </a:ln>
-        </p:spPr>
-        <p:style>
-          <a:lnRef idx="2">
-            <a:schemeClr val="accent1">
-              <a:shade val="50000"/>
-            </a:schemeClr>
-          </a:lnRef>
-          <a:fillRef idx="1">
-            <a:schemeClr val="accent1"/>
-          </a:fillRef>
-          <a:effectRef idx="0">
-            <a:schemeClr val="accent1"/>
-          </a:effectRef>
-          <a:fontRef idx="minor">
-            <a:schemeClr val="lt1"/>
-          </a:fontRef>
-        </p:style>
-        <p:txBody>
-          <a:bodyPr rtlCol="0" anchor="ctr"/>
-          <a:lstStyle/>
-          <a:p>
-            <a:pPr algn="ctr"/>
-            <a:endParaRPr lang="it-IT"/>
-          </a:p>
-        </p:txBody>
-      </p:sp>
-      <p:sp>
-        <p:nvSpPr>
-          <p:cNvPr id="106" name="Rettangolo 105">
-            <a:extLst>
-              <a:ext uri="{FF2B5EF4-FFF2-40B4-BE49-F238E27FC236}">
-                <a16:creationId xmlns:a16="http://schemas.microsoft.com/office/drawing/2014/main" id="{99AE6D2E-CCE2-854E-8FF7-ED38085647B3}"/>
-              </a:ext>
-            </a:extLst>
-          </p:cNvPr>
-          <p:cNvSpPr/>
-          <p:nvPr/>
-        </p:nvSpPr>
-        <p:spPr>
-          <a:xfrm>
-            <a:off x="3954066" y="1389662"/>
-            <a:ext cx="366688" cy="324670"/>
-          </a:xfrm>
-          <a:prstGeom prst="rect">
-            <a:avLst/>
-          </a:prstGeom>
-          <a:solidFill>
-            <a:schemeClr val="tx2">
-              <a:lumMod val="20000"/>
-              <a:lumOff val="80000"/>
-            </a:schemeClr>
-          </a:solidFill>
-          <a:ln w="38100">
-            <a:solidFill>
-              <a:schemeClr val="tx2">
-                <a:lumMod val="75000"/>
-              </a:schemeClr>
-            </a:solidFill>
-          </a:ln>
-        </p:spPr>
-        <p:style>
-          <a:lnRef idx="2">
-            <a:schemeClr val="accent1">
-              <a:shade val="50000"/>
-            </a:schemeClr>
-          </a:lnRef>
-          <a:fillRef idx="1">
-            <a:schemeClr val="accent1"/>
-          </a:fillRef>
-          <a:effectRef idx="0">
-            <a:schemeClr val="accent1"/>
-          </a:effectRef>
-          <a:fontRef idx="minor">
-            <a:schemeClr val="lt1"/>
-          </a:fontRef>
-        </p:style>
-        <p:txBody>
-          <a:bodyPr rtlCol="0" anchor="ctr"/>
-          <a:lstStyle/>
-          <a:p>
-            <a:pPr algn="ctr"/>
-            <a:endParaRPr lang="it-IT"/>
-          </a:p>
-        </p:txBody>
-      </p:sp>
-      <p:sp>
-        <p:nvSpPr>
-          <p:cNvPr id="107" name="Rettangolo 106">
-            <a:extLst>
-              <a:ext uri="{FF2B5EF4-FFF2-40B4-BE49-F238E27FC236}">
-                <a16:creationId xmlns:a16="http://schemas.microsoft.com/office/drawing/2014/main" id="{ACBDF273-7F2C-3E41-87C0-6F465A6B0BCF}"/>
-              </a:ext>
-            </a:extLst>
-          </p:cNvPr>
-          <p:cNvSpPr/>
-          <p:nvPr/>
-        </p:nvSpPr>
-        <p:spPr>
-          <a:xfrm>
-            <a:off x="3961623" y="2337836"/>
-            <a:ext cx="368163" cy="622762"/>
-          </a:xfrm>
-          <a:prstGeom prst="rect">
-            <a:avLst/>
-          </a:prstGeom>
-          <a:solidFill>
-            <a:schemeClr val="tx2">
-              <a:lumMod val="20000"/>
-              <a:lumOff val="80000"/>
-            </a:schemeClr>
-          </a:solidFill>
-          <a:ln w="38100">
-            <a:solidFill>
-              <a:schemeClr val="tx2">
-                <a:lumMod val="75000"/>
-              </a:schemeClr>
-            </a:solidFill>
-          </a:ln>
-        </p:spPr>
-        <p:style>
-          <a:lnRef idx="2">
-            <a:schemeClr val="accent1">
-              <a:shade val="50000"/>
-            </a:schemeClr>
-          </a:lnRef>
-          <a:fillRef idx="1">
-            <a:schemeClr val="accent1"/>
-          </a:fillRef>
-          <a:effectRef idx="0">
-            <a:schemeClr val="accent1"/>
-          </a:effectRef>
-          <a:fontRef idx="minor">
-            <a:schemeClr val="lt1"/>
-          </a:fontRef>
-        </p:style>
-        <p:txBody>
-          <a:bodyPr rtlCol="0" anchor="ctr"/>
-          <a:lstStyle/>
-          <a:p>
-            <a:pPr algn="ctr"/>
-            <a:endParaRPr lang="it-IT"/>
-          </a:p>
-        </p:txBody>
-      </p:sp>
-      <p:sp>
-        <p:nvSpPr>
-          <p:cNvPr id="108" name="Rettangolo 107">
-            <a:extLst>
-              <a:ext uri="{FF2B5EF4-FFF2-40B4-BE49-F238E27FC236}">
-                <a16:creationId xmlns:a16="http://schemas.microsoft.com/office/drawing/2014/main" id="{9064D597-4682-A842-A475-C2FAB32880CC}"/>
-              </a:ext>
-            </a:extLst>
-          </p:cNvPr>
-          <p:cNvSpPr/>
-          <p:nvPr/>
-        </p:nvSpPr>
-        <p:spPr>
-          <a:xfrm>
-            <a:off x="3953424" y="1085821"/>
-            <a:ext cx="366688" cy="324670"/>
-          </a:xfrm>
-          <a:prstGeom prst="rect">
-            <a:avLst/>
-          </a:prstGeom>
-          <a:solidFill>
-            <a:schemeClr val="tx2">
-              <a:lumMod val="20000"/>
-              <a:lumOff val="80000"/>
-            </a:schemeClr>
-          </a:solidFill>
-          <a:ln w="38100">
-            <a:solidFill>
-              <a:schemeClr val="tx2">
-                <a:lumMod val="75000"/>
-              </a:schemeClr>
-            </a:solidFill>
-          </a:ln>
-        </p:spPr>
-        <p:style>
-          <a:lnRef idx="2">
-            <a:schemeClr val="accent1">
-              <a:shade val="50000"/>
-            </a:schemeClr>
-          </a:lnRef>
-          <a:fillRef idx="1">
-            <a:schemeClr val="accent1"/>
-          </a:fillRef>
-          <a:effectRef idx="0">
-            <a:schemeClr val="accent1"/>
-          </a:effectRef>
-          <a:fontRef idx="minor">
-            <a:schemeClr val="lt1"/>
-          </a:fontRef>
-        </p:style>
-        <p:txBody>
-          <a:bodyPr rtlCol="0" anchor="ctr"/>
-          <a:lstStyle/>
-          <a:p>
-            <a:pPr algn="ctr"/>
-            <a:endParaRPr lang="it-IT"/>
-          </a:p>
-        </p:txBody>
-      </p:sp>
-      <p:sp>
-        <p:nvSpPr>
-          <p:cNvPr id="109" name="Rettangolo 108">
-            <a:extLst>
-              <a:ext uri="{FF2B5EF4-FFF2-40B4-BE49-F238E27FC236}">
-                <a16:creationId xmlns:a16="http://schemas.microsoft.com/office/drawing/2014/main" id="{7263A289-7530-2444-89B8-16B13664CECF}"/>
-              </a:ext>
-            </a:extLst>
-          </p:cNvPr>
-          <p:cNvSpPr/>
-          <p:nvPr/>
-        </p:nvSpPr>
-        <p:spPr>
-          <a:xfrm>
-            <a:off x="4320112" y="1088269"/>
-            <a:ext cx="272756" cy="324670"/>
-          </a:xfrm>
-          <a:prstGeom prst="rect">
-            <a:avLst/>
-          </a:prstGeom>
-          <a:solidFill>
-            <a:schemeClr val="tx2">
-              <a:lumMod val="20000"/>
-              <a:lumOff val="80000"/>
-            </a:schemeClr>
-          </a:solidFill>
-          <a:ln w="38100">
-            <a:solidFill>
-              <a:schemeClr val="tx2">
-                <a:lumMod val="75000"/>
-              </a:schemeClr>
-            </a:solidFill>
-          </a:ln>
-        </p:spPr>
-        <p:style>
-          <a:lnRef idx="2">
-            <a:schemeClr val="accent1">
-              <a:shade val="50000"/>
-            </a:schemeClr>
-          </a:lnRef>
-          <a:fillRef idx="1">
-            <a:schemeClr val="accent1"/>
-          </a:fillRef>
-          <a:effectRef idx="0">
-            <a:schemeClr val="accent1"/>
-          </a:effectRef>
-          <a:fontRef idx="minor">
-            <a:schemeClr val="lt1"/>
-          </a:fontRef>
-        </p:style>
-        <p:txBody>
-          <a:bodyPr rtlCol="0" anchor="ctr"/>
-          <a:lstStyle/>
-          <a:p>
-            <a:pPr algn="ctr"/>
-            <a:endParaRPr lang="it-IT"/>
-          </a:p>
-        </p:txBody>
-      </p:sp>
-      <p:sp>
-        <p:nvSpPr>
-          <p:cNvPr id="110" name="Rettangolo 109">
-            <a:extLst>
-              <a:ext uri="{FF2B5EF4-FFF2-40B4-BE49-F238E27FC236}">
-                <a16:creationId xmlns:a16="http://schemas.microsoft.com/office/drawing/2014/main" id="{6168C792-220A-6B47-BE0C-FFF5F991B460}"/>
-              </a:ext>
-            </a:extLst>
-          </p:cNvPr>
-          <p:cNvSpPr/>
-          <p:nvPr/>
-        </p:nvSpPr>
-        <p:spPr>
-          <a:xfrm>
-            <a:off x="4592198" y="1085821"/>
-            <a:ext cx="272756" cy="324670"/>
-          </a:xfrm>
-          <a:prstGeom prst="rect">
-            <a:avLst/>
-          </a:prstGeom>
-          <a:solidFill>
-            <a:schemeClr val="tx2">
-              <a:lumMod val="20000"/>
-              <a:lumOff val="80000"/>
-            </a:schemeClr>
-          </a:solidFill>
-          <a:ln w="38100">
-            <a:solidFill>
-              <a:schemeClr val="tx2">
-                <a:lumMod val="75000"/>
-              </a:schemeClr>
-            </a:solidFill>
-          </a:ln>
-        </p:spPr>
-        <p:style>
-          <a:lnRef idx="2">
-            <a:schemeClr val="accent1">
-              <a:shade val="50000"/>
-            </a:schemeClr>
-          </a:lnRef>
-          <a:fillRef idx="1">
-            <a:schemeClr val="accent1"/>
-          </a:fillRef>
-          <a:effectRef idx="0">
-            <a:schemeClr val="accent1"/>
-          </a:effectRef>
-          <a:fontRef idx="minor">
-            <a:schemeClr val="lt1"/>
-          </a:fontRef>
-        </p:style>
-        <p:txBody>
-          <a:bodyPr rtlCol="0" anchor="ctr"/>
-          <a:lstStyle/>
-          <a:p>
-            <a:pPr algn="ctr"/>
-            <a:endParaRPr lang="it-IT"/>
-          </a:p>
-        </p:txBody>
-      </p:sp>
-      <p:sp>
-        <p:nvSpPr>
-          <p:cNvPr id="111" name="Rettangolo 110">
-            <a:extLst>
-              <a:ext uri="{FF2B5EF4-FFF2-40B4-BE49-F238E27FC236}">
-                <a16:creationId xmlns:a16="http://schemas.microsoft.com/office/drawing/2014/main" id="{5FCC3A7A-96ED-604D-80F9-CA85073EC2D6}"/>
-              </a:ext>
-            </a:extLst>
-          </p:cNvPr>
-          <p:cNvSpPr/>
-          <p:nvPr/>
-        </p:nvSpPr>
-        <p:spPr>
-          <a:xfrm>
-            <a:off x="4872360" y="1085821"/>
-            <a:ext cx="272756" cy="324670"/>
-          </a:xfrm>
-          <a:prstGeom prst="rect">
-            <a:avLst/>
-          </a:prstGeom>
-          <a:solidFill>
-            <a:schemeClr val="tx2">
-              <a:lumMod val="20000"/>
-              <a:lumOff val="80000"/>
-            </a:schemeClr>
-          </a:solidFill>
-          <a:ln w="38100">
-            <a:solidFill>
-              <a:schemeClr val="tx2">
-                <a:lumMod val="75000"/>
-              </a:schemeClr>
-            </a:solidFill>
-          </a:ln>
-        </p:spPr>
-        <p:style>
-          <a:lnRef idx="2">
-            <a:schemeClr val="accent1">
-              <a:shade val="50000"/>
-            </a:schemeClr>
-          </a:lnRef>
-          <a:fillRef idx="1">
-            <a:schemeClr val="accent1"/>
-          </a:fillRef>
-          <a:effectRef idx="0">
-            <a:schemeClr val="accent1"/>
-          </a:effectRef>
-          <a:fontRef idx="minor">
-            <a:schemeClr val="lt1"/>
-          </a:fontRef>
-        </p:style>
-        <p:txBody>
-          <a:bodyPr rtlCol="0" anchor="ctr"/>
-          <a:lstStyle/>
-          <a:p>
-            <a:pPr algn="ctr"/>
-            <a:endParaRPr lang="it-IT"/>
-          </a:p>
-        </p:txBody>
-      </p:sp>
-      <p:sp>
-        <p:nvSpPr>
-          <p:cNvPr id="112" name="Rettangolo 111">
-            <a:extLst>
-              <a:ext uri="{FF2B5EF4-FFF2-40B4-BE49-F238E27FC236}">
-                <a16:creationId xmlns:a16="http://schemas.microsoft.com/office/drawing/2014/main" id="{EC7B2890-47BE-834B-AAC6-B43AAE5E649C}"/>
-              </a:ext>
-            </a:extLst>
-          </p:cNvPr>
-          <p:cNvSpPr/>
-          <p:nvPr/>
-        </p:nvSpPr>
-        <p:spPr>
-          <a:xfrm>
-            <a:off x="4886622" y="2635007"/>
-            <a:ext cx="272756" cy="324670"/>
-          </a:xfrm>
-          <a:prstGeom prst="rect">
-            <a:avLst/>
-          </a:prstGeom>
-          <a:solidFill>
-            <a:schemeClr val="tx2">
-              <a:lumMod val="20000"/>
-              <a:lumOff val="80000"/>
-            </a:schemeClr>
-          </a:solidFill>
-          <a:ln w="38100">
-            <a:solidFill>
-              <a:schemeClr val="tx2">
-                <a:lumMod val="75000"/>
-              </a:schemeClr>
-            </a:solidFill>
-          </a:ln>
-        </p:spPr>
-        <p:style>
-          <a:lnRef idx="2">
-            <a:schemeClr val="accent1">
-              <a:shade val="50000"/>
-            </a:schemeClr>
-          </a:lnRef>
-          <a:fillRef idx="1">
-            <a:schemeClr val="accent1"/>
-          </a:fillRef>
-          <a:effectRef idx="0">
-            <a:schemeClr val="accent1"/>
-          </a:effectRef>
-          <a:fontRef idx="minor">
-            <a:schemeClr val="lt1"/>
-          </a:fontRef>
-        </p:style>
-        <p:txBody>
-          <a:bodyPr rtlCol="0" anchor="ctr"/>
-          <a:lstStyle/>
-          <a:p>
-            <a:pPr algn="ctr"/>
-            <a:endParaRPr lang="it-IT"/>
-          </a:p>
-        </p:txBody>
-      </p:sp>
-      <p:sp>
-        <p:nvSpPr>
-          <p:cNvPr id="113" name="Rettangolo 112">
-            <a:extLst>
-              <a:ext uri="{FF2B5EF4-FFF2-40B4-BE49-F238E27FC236}">
-                <a16:creationId xmlns:a16="http://schemas.microsoft.com/office/drawing/2014/main" id="{69C1245E-DCF7-8D41-85D9-89834E67527D}"/>
-              </a:ext>
-            </a:extLst>
-          </p:cNvPr>
-          <p:cNvSpPr/>
-          <p:nvPr/>
-        </p:nvSpPr>
-        <p:spPr>
-          <a:xfrm>
-            <a:off x="4600516" y="2635928"/>
-            <a:ext cx="272756" cy="324670"/>
-          </a:xfrm>
-          <a:prstGeom prst="rect">
-            <a:avLst/>
-          </a:prstGeom>
-          <a:solidFill>
-            <a:schemeClr val="tx2">
-              <a:lumMod val="20000"/>
-              <a:lumOff val="80000"/>
-            </a:schemeClr>
-          </a:solidFill>
-          <a:ln w="38100">
-            <a:solidFill>
-              <a:schemeClr val="tx2">
-                <a:lumMod val="75000"/>
-              </a:schemeClr>
-            </a:solidFill>
-          </a:ln>
-        </p:spPr>
-        <p:style>
-          <a:lnRef idx="2">
-            <a:schemeClr val="accent1">
-              <a:shade val="50000"/>
-            </a:schemeClr>
-          </a:lnRef>
-          <a:fillRef idx="1">
-            <a:schemeClr val="accent1"/>
-          </a:fillRef>
-          <a:effectRef idx="0">
-            <a:schemeClr val="accent1"/>
-          </a:effectRef>
-          <a:fontRef idx="minor">
-            <a:schemeClr val="lt1"/>
-          </a:fontRef>
-        </p:style>
-        <p:txBody>
-          <a:bodyPr rtlCol="0" anchor="ctr"/>
-          <a:lstStyle/>
-          <a:p>
-            <a:pPr algn="ctr"/>
-            <a:endParaRPr lang="it-IT"/>
-          </a:p>
-        </p:txBody>
-      </p:sp>
-      <p:sp>
-        <p:nvSpPr>
-          <p:cNvPr id="114" name="Rettangolo 113">
-            <a:extLst>
-              <a:ext uri="{FF2B5EF4-FFF2-40B4-BE49-F238E27FC236}">
-                <a16:creationId xmlns:a16="http://schemas.microsoft.com/office/drawing/2014/main" id="{CA899D13-4DF0-3D48-A1F2-C272AF50FA62}"/>
-              </a:ext>
-            </a:extLst>
-          </p:cNvPr>
-          <p:cNvSpPr/>
-          <p:nvPr/>
-        </p:nvSpPr>
-        <p:spPr>
-          <a:xfrm>
-            <a:off x="4345870" y="2635007"/>
-            <a:ext cx="272756" cy="324670"/>
-          </a:xfrm>
-          <a:prstGeom prst="rect">
-            <a:avLst/>
-          </a:prstGeom>
-          <a:solidFill>
-            <a:schemeClr val="tx2">
-              <a:lumMod val="20000"/>
-              <a:lumOff val="80000"/>
-            </a:schemeClr>
-          </a:solidFill>
-          <a:ln w="38100">
-            <a:solidFill>
-              <a:schemeClr val="tx2">
-                <a:lumMod val="75000"/>
-              </a:schemeClr>
-            </a:solidFill>
-          </a:ln>
-        </p:spPr>
-        <p:style>
-          <a:lnRef idx="2">
-            <a:schemeClr val="accent1">
-              <a:shade val="50000"/>
-            </a:schemeClr>
-          </a:lnRef>
-          <a:fillRef idx="1">
-            <a:schemeClr val="accent1"/>
-          </a:fillRef>
-          <a:effectRef idx="0">
-            <a:schemeClr val="accent1"/>
-          </a:effectRef>
-          <a:fontRef idx="minor">
-            <a:schemeClr val="lt1"/>
-          </a:fontRef>
-        </p:style>
-        <p:txBody>
-          <a:bodyPr rtlCol="0" anchor="ctr"/>
-          <a:lstStyle/>
-          <a:p>
-            <a:pPr algn="ctr"/>
-            <a:endParaRPr lang="it-IT"/>
-          </a:p>
-        </p:txBody>
-      </p:sp>
-      <p:sp>
-        <p:nvSpPr>
-          <p:cNvPr id="115" name="Rettangolo 114">
-            <a:extLst>
-              <a:ext uri="{FF2B5EF4-FFF2-40B4-BE49-F238E27FC236}">
-                <a16:creationId xmlns:a16="http://schemas.microsoft.com/office/drawing/2014/main" id="{E370C906-CCA5-DD4D-91FF-F82464DCA378}"/>
-              </a:ext>
-            </a:extLst>
-          </p:cNvPr>
-          <p:cNvSpPr/>
-          <p:nvPr/>
-        </p:nvSpPr>
-        <p:spPr>
-          <a:xfrm>
-            <a:off x="5456681" y="1390850"/>
-            <a:ext cx="366688" cy="324670"/>
-          </a:xfrm>
-          <a:prstGeom prst="rect">
-            <a:avLst/>
-          </a:prstGeom>
-          <a:solidFill>
-            <a:schemeClr val="tx2">
-              <a:lumMod val="20000"/>
-              <a:lumOff val="80000"/>
-            </a:schemeClr>
-          </a:solidFill>
-          <a:ln w="38100">
-            <a:solidFill>
-              <a:schemeClr val="tx2">
-                <a:lumMod val="75000"/>
-              </a:schemeClr>
-            </a:solidFill>
-          </a:ln>
-        </p:spPr>
-        <p:style>
-          <a:lnRef idx="2">
-            <a:schemeClr val="accent1">
-              <a:shade val="50000"/>
-            </a:schemeClr>
-          </a:lnRef>
-          <a:fillRef idx="1">
-            <a:schemeClr val="accent1"/>
-          </a:fillRef>
-          <a:effectRef idx="0">
-            <a:schemeClr val="accent1"/>
-          </a:effectRef>
-          <a:fontRef idx="minor">
-            <a:schemeClr val="lt1"/>
-          </a:fontRef>
-        </p:style>
-        <p:txBody>
-          <a:bodyPr rtlCol="0" anchor="ctr"/>
-          <a:lstStyle/>
-          <a:p>
-            <a:pPr algn="ctr"/>
-            <a:endParaRPr lang="it-IT"/>
-          </a:p>
-        </p:txBody>
-      </p:sp>
-      <p:sp>
-        <p:nvSpPr>
-          <p:cNvPr id="116" name="Rettangolo 115">
-            <a:extLst>
-              <a:ext uri="{FF2B5EF4-FFF2-40B4-BE49-F238E27FC236}">
-                <a16:creationId xmlns:a16="http://schemas.microsoft.com/office/drawing/2014/main" id="{91531ACA-0D74-C544-BB54-0380F6E9C2FB}"/>
-              </a:ext>
-            </a:extLst>
-          </p:cNvPr>
-          <p:cNvSpPr/>
-          <p:nvPr/>
-        </p:nvSpPr>
-        <p:spPr>
-          <a:xfrm>
-            <a:off x="5456681" y="1714478"/>
-            <a:ext cx="366688" cy="324670"/>
-          </a:xfrm>
-          <a:prstGeom prst="rect">
-            <a:avLst/>
-          </a:prstGeom>
-          <a:solidFill>
-            <a:schemeClr val="tx2">
-              <a:lumMod val="20000"/>
-              <a:lumOff val="80000"/>
-            </a:schemeClr>
-          </a:solidFill>
-          <a:ln w="38100">
-            <a:solidFill>
-              <a:schemeClr val="tx2">
-                <a:lumMod val="75000"/>
-              </a:schemeClr>
-            </a:solidFill>
-          </a:ln>
-        </p:spPr>
-        <p:style>
-          <a:lnRef idx="2">
-            <a:schemeClr val="accent1">
-              <a:shade val="50000"/>
-            </a:schemeClr>
-          </a:lnRef>
-          <a:fillRef idx="1">
-            <a:schemeClr val="accent1"/>
-          </a:fillRef>
-          <a:effectRef idx="0">
-            <a:schemeClr val="accent1"/>
-          </a:effectRef>
-          <a:fontRef idx="minor">
-            <a:schemeClr val="lt1"/>
-          </a:fontRef>
-        </p:style>
-        <p:txBody>
-          <a:bodyPr rtlCol="0" anchor="ctr"/>
-          <a:lstStyle/>
-          <a:p>
-            <a:pPr algn="ctr"/>
-            <a:endParaRPr lang="it-IT"/>
-          </a:p>
-        </p:txBody>
-      </p:sp>
-      <p:sp>
-        <p:nvSpPr>
-          <p:cNvPr id="117" name="Rettangolo 116">
-            <a:extLst>
-              <a:ext uri="{FF2B5EF4-FFF2-40B4-BE49-F238E27FC236}">
-                <a16:creationId xmlns:a16="http://schemas.microsoft.com/office/drawing/2014/main" id="{CC5FBBCF-FC93-3B4F-9656-7C70AC08C12E}"/>
-              </a:ext>
-            </a:extLst>
-          </p:cNvPr>
-          <p:cNvSpPr/>
-          <p:nvPr/>
-        </p:nvSpPr>
-        <p:spPr>
-          <a:xfrm>
-            <a:off x="5456681" y="2039148"/>
-            <a:ext cx="366688" cy="324670"/>
-          </a:xfrm>
-          <a:prstGeom prst="rect">
-            <a:avLst/>
-          </a:prstGeom>
-          <a:solidFill>
-            <a:schemeClr val="tx2">
-              <a:lumMod val="20000"/>
-              <a:lumOff val="80000"/>
-            </a:schemeClr>
-          </a:solidFill>
-          <a:ln w="38100">
-            <a:solidFill>
-              <a:schemeClr val="tx2">
-                <a:lumMod val="75000"/>
-              </a:schemeClr>
-            </a:solidFill>
-          </a:ln>
-        </p:spPr>
-        <p:style>
-          <a:lnRef idx="2">
-            <a:schemeClr val="accent1">
-              <a:shade val="50000"/>
-            </a:schemeClr>
-          </a:lnRef>
-          <a:fillRef idx="1">
-            <a:schemeClr val="accent1"/>
-          </a:fillRef>
-          <a:effectRef idx="0">
-            <a:schemeClr val="accent1"/>
-          </a:effectRef>
-          <a:fontRef idx="minor">
-            <a:schemeClr val="lt1"/>
-          </a:fontRef>
-        </p:style>
-        <p:txBody>
-          <a:bodyPr rtlCol="0" anchor="ctr"/>
-          <a:lstStyle/>
-          <a:p>
-            <a:pPr algn="ctr"/>
-            <a:endParaRPr lang="it-IT"/>
-          </a:p>
-        </p:txBody>
-      </p:sp>
-      <p:sp>
-        <p:nvSpPr>
-          <p:cNvPr id="118" name="Rettangolo 117">
-            <a:extLst>
-              <a:ext uri="{FF2B5EF4-FFF2-40B4-BE49-F238E27FC236}">
-                <a16:creationId xmlns:a16="http://schemas.microsoft.com/office/drawing/2014/main" id="{FCEDBEF2-CD78-9643-88FF-0DFE2770A1A7}"/>
-              </a:ext>
-            </a:extLst>
-          </p:cNvPr>
-          <p:cNvSpPr/>
-          <p:nvPr/>
-        </p:nvSpPr>
-        <p:spPr>
-          <a:xfrm>
-            <a:off x="5456681" y="2302860"/>
-            <a:ext cx="366688" cy="324670"/>
-          </a:xfrm>
-          <a:prstGeom prst="rect">
-            <a:avLst/>
-          </a:prstGeom>
-          <a:solidFill>
-            <a:schemeClr val="tx2">
-              <a:lumMod val="20000"/>
-              <a:lumOff val="80000"/>
-            </a:schemeClr>
-          </a:solidFill>
-          <a:ln w="38100">
-            <a:solidFill>
-              <a:schemeClr val="tx2">
-                <a:lumMod val="75000"/>
-              </a:schemeClr>
-            </a:solidFill>
-          </a:ln>
-        </p:spPr>
-        <p:style>
-          <a:lnRef idx="2">
-            <a:schemeClr val="accent1">
-              <a:shade val="50000"/>
-            </a:schemeClr>
-          </a:lnRef>
-          <a:fillRef idx="1">
-            <a:schemeClr val="accent1"/>
-          </a:fillRef>
-          <a:effectRef idx="0">
-            <a:schemeClr val="accent1"/>
-          </a:effectRef>
-          <a:fontRef idx="minor">
-            <a:schemeClr val="lt1"/>
-          </a:fontRef>
-        </p:style>
-        <p:txBody>
-          <a:bodyPr rtlCol="0" anchor="ctr"/>
-          <a:lstStyle/>
-          <a:p>
-            <a:pPr algn="ctr"/>
-            <a:endParaRPr lang="it-IT"/>
-          </a:p>
-        </p:txBody>
-      </p:sp>
-      <p:sp>
-        <p:nvSpPr>
-          <p:cNvPr id="119" name="Rettangolo 118">
-            <a:extLst>
-              <a:ext uri="{FF2B5EF4-FFF2-40B4-BE49-F238E27FC236}">
-                <a16:creationId xmlns:a16="http://schemas.microsoft.com/office/drawing/2014/main" id="{9A8E80B1-20A4-544F-A989-F3F692DA6447}"/>
-              </a:ext>
-            </a:extLst>
-          </p:cNvPr>
-          <p:cNvSpPr/>
-          <p:nvPr/>
-        </p:nvSpPr>
-        <p:spPr>
-          <a:xfrm>
-            <a:off x="6134934" y="1390850"/>
-            <a:ext cx="529835" cy="324670"/>
-          </a:xfrm>
-          <a:prstGeom prst="rect">
-            <a:avLst/>
-          </a:prstGeom>
-          <a:solidFill>
-            <a:schemeClr val="tx2">
-              <a:lumMod val="20000"/>
-              <a:lumOff val="80000"/>
-            </a:schemeClr>
-          </a:solidFill>
-          <a:ln w="38100">
-            <a:solidFill>
-              <a:schemeClr val="tx2">
-                <a:lumMod val="75000"/>
-              </a:schemeClr>
-            </a:solidFill>
-          </a:ln>
-        </p:spPr>
-        <p:style>
-          <a:lnRef idx="2">
-            <a:schemeClr val="accent1">
-              <a:shade val="50000"/>
-            </a:schemeClr>
-          </a:lnRef>
-          <a:fillRef idx="1">
-            <a:schemeClr val="accent1"/>
-          </a:fillRef>
-          <a:effectRef idx="0">
-            <a:schemeClr val="accent1"/>
-          </a:effectRef>
-          <a:fontRef idx="minor">
-            <a:schemeClr val="lt1"/>
-          </a:fontRef>
-        </p:style>
-        <p:txBody>
-          <a:bodyPr rtlCol="0" anchor="ctr"/>
-          <a:lstStyle/>
-          <a:p>
-            <a:pPr algn="ctr"/>
-            <a:endParaRPr lang="it-IT"/>
-          </a:p>
-        </p:txBody>
-      </p:sp>
-      <p:sp>
-        <p:nvSpPr>
-          <p:cNvPr id="120" name="Rettangolo 119">
-            <a:extLst>
-              <a:ext uri="{FF2B5EF4-FFF2-40B4-BE49-F238E27FC236}">
-                <a16:creationId xmlns:a16="http://schemas.microsoft.com/office/drawing/2014/main" id="{1CE6B6D2-BFCA-394A-8073-0D7E0B19A583}"/>
-              </a:ext>
-            </a:extLst>
-          </p:cNvPr>
-          <p:cNvSpPr/>
-          <p:nvPr/>
-        </p:nvSpPr>
-        <p:spPr>
-          <a:xfrm>
-            <a:off x="6134934" y="1714478"/>
-            <a:ext cx="529835" cy="324670"/>
-          </a:xfrm>
-          <a:prstGeom prst="rect">
-            <a:avLst/>
-          </a:prstGeom>
-          <a:solidFill>
-            <a:schemeClr val="tx2">
-              <a:lumMod val="20000"/>
-              <a:lumOff val="80000"/>
-            </a:schemeClr>
-          </a:solidFill>
-          <a:ln w="38100">
-            <a:solidFill>
-              <a:schemeClr val="tx2">
-                <a:lumMod val="75000"/>
-              </a:schemeClr>
-            </a:solidFill>
-          </a:ln>
-        </p:spPr>
-        <p:style>
-          <a:lnRef idx="2">
-            <a:schemeClr val="accent1">
-              <a:shade val="50000"/>
-            </a:schemeClr>
-          </a:lnRef>
-          <a:fillRef idx="1">
-            <a:schemeClr val="accent1"/>
-          </a:fillRef>
-          <a:effectRef idx="0">
-            <a:schemeClr val="accent1"/>
-          </a:effectRef>
-          <a:fontRef idx="minor">
-            <a:schemeClr val="lt1"/>
-          </a:fontRef>
-        </p:style>
-        <p:txBody>
-          <a:bodyPr rtlCol="0" anchor="ctr"/>
-          <a:lstStyle/>
-          <a:p>
-            <a:pPr algn="ctr"/>
-            <a:endParaRPr lang="it-IT"/>
-          </a:p>
-        </p:txBody>
-      </p:sp>
-      <p:sp>
-        <p:nvSpPr>
-          <p:cNvPr id="121" name="Rettangolo 120">
-            <a:extLst>
-              <a:ext uri="{FF2B5EF4-FFF2-40B4-BE49-F238E27FC236}">
-                <a16:creationId xmlns:a16="http://schemas.microsoft.com/office/drawing/2014/main" id="{45494479-2719-1F47-A856-AC0E94323CD3}"/>
-              </a:ext>
-            </a:extLst>
-          </p:cNvPr>
-          <p:cNvSpPr/>
-          <p:nvPr/>
-        </p:nvSpPr>
-        <p:spPr>
-          <a:xfrm>
-            <a:off x="6134934" y="2039148"/>
-            <a:ext cx="529835" cy="324670"/>
-          </a:xfrm>
-          <a:prstGeom prst="rect">
-            <a:avLst/>
-          </a:prstGeom>
-          <a:solidFill>
-            <a:schemeClr val="tx2">
-              <a:lumMod val="20000"/>
-              <a:lumOff val="80000"/>
-            </a:schemeClr>
-          </a:solidFill>
-          <a:ln w="38100">
-            <a:solidFill>
-              <a:schemeClr val="tx2">
-                <a:lumMod val="75000"/>
-              </a:schemeClr>
-            </a:solidFill>
-          </a:ln>
-        </p:spPr>
-        <p:style>
-          <a:lnRef idx="2">
-            <a:schemeClr val="accent1">
-              <a:shade val="50000"/>
-            </a:schemeClr>
-          </a:lnRef>
-          <a:fillRef idx="1">
-            <a:schemeClr val="accent1"/>
-          </a:fillRef>
-          <a:effectRef idx="0">
-            <a:schemeClr val="accent1"/>
-          </a:effectRef>
-          <a:fontRef idx="minor">
-            <a:schemeClr val="lt1"/>
-          </a:fontRef>
-        </p:style>
-        <p:txBody>
-          <a:bodyPr rtlCol="0" anchor="ctr"/>
-          <a:lstStyle/>
-          <a:p>
-            <a:pPr algn="ctr"/>
-            <a:endParaRPr lang="it-IT"/>
-          </a:p>
-        </p:txBody>
-      </p:sp>
-      <p:sp>
-        <p:nvSpPr>
-          <p:cNvPr id="122" name="Rettangolo 121">
-            <a:extLst>
-              <a:ext uri="{FF2B5EF4-FFF2-40B4-BE49-F238E27FC236}">
-                <a16:creationId xmlns:a16="http://schemas.microsoft.com/office/drawing/2014/main" id="{FD70772E-4060-324C-9439-DBCAAA5670CB}"/>
-              </a:ext>
-            </a:extLst>
-          </p:cNvPr>
-          <p:cNvSpPr/>
-          <p:nvPr/>
-        </p:nvSpPr>
-        <p:spPr>
-          <a:xfrm>
-            <a:off x="6134934" y="2302860"/>
-            <a:ext cx="529835" cy="324670"/>
-          </a:xfrm>
-          <a:prstGeom prst="rect">
-            <a:avLst/>
-          </a:prstGeom>
-          <a:solidFill>
-            <a:schemeClr val="tx2">
-              <a:lumMod val="20000"/>
-              <a:lumOff val="80000"/>
-            </a:schemeClr>
-          </a:solidFill>
-          <a:ln w="38100">
-            <a:solidFill>
-              <a:schemeClr val="tx2">
-                <a:lumMod val="75000"/>
-              </a:schemeClr>
-            </a:solidFill>
-          </a:ln>
-        </p:spPr>
-        <p:style>
-          <a:lnRef idx="2">
-            <a:schemeClr val="accent1">
-              <a:shade val="50000"/>
-            </a:schemeClr>
-          </a:lnRef>
-          <a:fillRef idx="1">
-            <a:schemeClr val="accent1"/>
-          </a:fillRef>
-          <a:effectRef idx="0">
-            <a:schemeClr val="accent1"/>
-          </a:effectRef>
-          <a:fontRef idx="minor">
-            <a:schemeClr val="lt1"/>
-          </a:fontRef>
-        </p:style>
-        <p:txBody>
-          <a:bodyPr rtlCol="0" anchor="ctr"/>
-          <a:lstStyle/>
-          <a:p>
-            <a:pPr algn="ctr"/>
-            <a:endParaRPr lang="it-IT"/>
-          </a:p>
-        </p:txBody>
-      </p:sp>
-      <p:sp>
-        <p:nvSpPr>
-          <p:cNvPr id="123" name="Rettangolo 122">
-            <a:extLst>
-              <a:ext uri="{FF2B5EF4-FFF2-40B4-BE49-F238E27FC236}">
-                <a16:creationId xmlns:a16="http://schemas.microsoft.com/office/drawing/2014/main" id="{BEC86799-21A5-1F49-9C7A-C55B473BFAC1}"/>
-              </a:ext>
-            </a:extLst>
-          </p:cNvPr>
-          <p:cNvSpPr/>
-          <p:nvPr/>
-        </p:nvSpPr>
-        <p:spPr>
-          <a:xfrm>
-            <a:off x="7494120" y="2635007"/>
-            <a:ext cx="272756" cy="324670"/>
-          </a:xfrm>
-          <a:prstGeom prst="rect">
-            <a:avLst/>
-          </a:prstGeom>
-          <a:solidFill>
-            <a:schemeClr val="tx2">
-              <a:lumMod val="20000"/>
-              <a:lumOff val="80000"/>
-            </a:schemeClr>
-          </a:solidFill>
-          <a:ln w="38100">
-            <a:solidFill>
-              <a:schemeClr val="tx2">
-                <a:lumMod val="75000"/>
-              </a:schemeClr>
-            </a:solidFill>
-          </a:ln>
-        </p:spPr>
-        <p:style>
-          <a:lnRef idx="2">
-            <a:schemeClr val="accent1">
-              <a:shade val="50000"/>
-            </a:schemeClr>
-          </a:lnRef>
-          <a:fillRef idx="1">
-            <a:schemeClr val="accent1"/>
-          </a:fillRef>
-          <a:effectRef idx="0">
-            <a:schemeClr val="accent1"/>
-          </a:effectRef>
-          <a:fontRef idx="minor">
-            <a:schemeClr val="lt1"/>
-          </a:fontRef>
-        </p:style>
-        <p:txBody>
-          <a:bodyPr rtlCol="0" anchor="ctr"/>
-          <a:lstStyle/>
-          <a:p>
-            <a:pPr algn="ctr"/>
-            <a:endParaRPr lang="it-IT"/>
-          </a:p>
-        </p:txBody>
-      </p:sp>
-      <p:sp>
-        <p:nvSpPr>
-          <p:cNvPr id="124" name="Rettangolo 123">
-            <a:extLst>
-              <a:ext uri="{FF2B5EF4-FFF2-40B4-BE49-F238E27FC236}">
-                <a16:creationId xmlns:a16="http://schemas.microsoft.com/office/drawing/2014/main" id="{09CC7680-5658-6842-8F29-CE018FC71AC5}"/>
-              </a:ext>
-            </a:extLst>
-          </p:cNvPr>
-          <p:cNvSpPr/>
-          <p:nvPr/>
-        </p:nvSpPr>
-        <p:spPr>
-          <a:xfrm>
-            <a:off x="7208014" y="2635928"/>
-            <a:ext cx="272756" cy="324670"/>
-          </a:xfrm>
-          <a:prstGeom prst="rect">
-            <a:avLst/>
-          </a:prstGeom>
-          <a:solidFill>
-            <a:schemeClr val="tx2">
-              <a:lumMod val="20000"/>
-              <a:lumOff val="80000"/>
-            </a:schemeClr>
-          </a:solidFill>
-          <a:ln w="38100">
-            <a:solidFill>
-              <a:schemeClr val="tx2">
-                <a:lumMod val="75000"/>
-              </a:schemeClr>
-            </a:solidFill>
-          </a:ln>
-        </p:spPr>
-        <p:style>
-          <a:lnRef idx="2">
-            <a:schemeClr val="accent1">
-              <a:shade val="50000"/>
-            </a:schemeClr>
-          </a:lnRef>
-          <a:fillRef idx="1">
-            <a:schemeClr val="accent1"/>
-          </a:fillRef>
-          <a:effectRef idx="0">
-            <a:schemeClr val="accent1"/>
-          </a:effectRef>
-          <a:fontRef idx="minor">
-            <a:schemeClr val="lt1"/>
-          </a:fontRef>
-        </p:style>
-        <p:txBody>
-          <a:bodyPr rtlCol="0" anchor="ctr"/>
-          <a:lstStyle/>
-          <a:p>
-            <a:pPr algn="ctr"/>
-            <a:endParaRPr lang="it-IT"/>
-          </a:p>
-        </p:txBody>
-      </p:sp>
-      <p:sp>
-        <p:nvSpPr>
-          <p:cNvPr id="125" name="Rettangolo 124">
-            <a:extLst>
-              <a:ext uri="{FF2B5EF4-FFF2-40B4-BE49-F238E27FC236}">
-                <a16:creationId xmlns:a16="http://schemas.microsoft.com/office/drawing/2014/main" id="{8B73859E-3C89-754B-819F-7664F1DFA228}"/>
-              </a:ext>
-            </a:extLst>
-          </p:cNvPr>
-          <p:cNvSpPr/>
-          <p:nvPr/>
-        </p:nvSpPr>
-        <p:spPr>
-          <a:xfrm>
-            <a:off x="6953368" y="2635007"/>
-            <a:ext cx="272756" cy="324670"/>
-          </a:xfrm>
-          <a:prstGeom prst="rect">
-            <a:avLst/>
-          </a:prstGeom>
-          <a:solidFill>
-            <a:schemeClr val="tx2">
-              <a:lumMod val="20000"/>
-              <a:lumOff val="80000"/>
-            </a:schemeClr>
-          </a:solidFill>
-          <a:ln w="38100">
-            <a:solidFill>
-              <a:schemeClr val="tx2">
-                <a:lumMod val="75000"/>
-              </a:schemeClr>
-            </a:solidFill>
-          </a:ln>
-        </p:spPr>
-        <p:style>
-          <a:lnRef idx="2">
-            <a:schemeClr val="accent1">
-              <a:shade val="50000"/>
-            </a:schemeClr>
-          </a:lnRef>
-          <a:fillRef idx="1">
-            <a:schemeClr val="accent1"/>
-          </a:fillRef>
-          <a:effectRef idx="0">
-            <a:schemeClr val="accent1"/>
-          </a:effectRef>
-          <a:fontRef idx="minor">
-            <a:schemeClr val="lt1"/>
-          </a:fontRef>
-        </p:style>
-        <p:txBody>
-          <a:bodyPr rtlCol="0" anchor="ctr"/>
-          <a:lstStyle/>
-          <a:p>
-            <a:pPr algn="ctr"/>
-            <a:endParaRPr lang="it-IT"/>
-          </a:p>
-        </p:txBody>
-      </p:sp>
-      <p:sp>
-        <p:nvSpPr>
-          <p:cNvPr id="126" name="Rettangolo 125">
-            <a:extLst>
-              <a:ext uri="{FF2B5EF4-FFF2-40B4-BE49-F238E27FC236}">
-                <a16:creationId xmlns:a16="http://schemas.microsoft.com/office/drawing/2014/main" id="{0E03F548-1664-A447-9758-DE4240248AE8}"/>
-              </a:ext>
-            </a:extLst>
-          </p:cNvPr>
-          <p:cNvSpPr/>
-          <p:nvPr/>
-        </p:nvSpPr>
-        <p:spPr>
-          <a:xfrm>
-            <a:off x="6965826" y="1085821"/>
-            <a:ext cx="272756" cy="324670"/>
-          </a:xfrm>
-          <a:prstGeom prst="rect">
-            <a:avLst/>
-          </a:prstGeom>
-          <a:solidFill>
-            <a:schemeClr val="tx2">
-              <a:lumMod val="20000"/>
-              <a:lumOff val="80000"/>
-            </a:schemeClr>
-          </a:solidFill>
-          <a:ln w="38100">
-            <a:solidFill>
-              <a:schemeClr val="tx2">
-                <a:lumMod val="75000"/>
-              </a:schemeClr>
-            </a:solidFill>
-          </a:ln>
-        </p:spPr>
-        <p:style>
-          <a:lnRef idx="2">
-            <a:schemeClr val="accent1">
-              <a:shade val="50000"/>
-            </a:schemeClr>
-          </a:lnRef>
-          <a:fillRef idx="1">
-            <a:schemeClr val="accent1"/>
-          </a:fillRef>
-          <a:effectRef idx="0">
-            <a:schemeClr val="accent1"/>
-          </a:effectRef>
-          <a:fontRef idx="minor">
-            <a:schemeClr val="lt1"/>
-          </a:fontRef>
-        </p:style>
-        <p:txBody>
-          <a:bodyPr rtlCol="0" anchor="ctr"/>
-          <a:lstStyle/>
-          <a:p>
-            <a:pPr algn="ctr"/>
-            <a:endParaRPr lang="it-IT"/>
-          </a:p>
-        </p:txBody>
-      </p:sp>
-      <p:sp>
-        <p:nvSpPr>
-          <p:cNvPr id="127" name="Rettangolo 126">
-            <a:extLst>
-              <a:ext uri="{FF2B5EF4-FFF2-40B4-BE49-F238E27FC236}">
-                <a16:creationId xmlns:a16="http://schemas.microsoft.com/office/drawing/2014/main" id="{53834E66-8DB0-F24F-9CB0-668E2A0105FA}"/>
-              </a:ext>
-            </a:extLst>
-          </p:cNvPr>
-          <p:cNvSpPr/>
-          <p:nvPr/>
-        </p:nvSpPr>
-        <p:spPr>
-          <a:xfrm>
-            <a:off x="7236045" y="1087877"/>
-            <a:ext cx="272756" cy="324670"/>
-          </a:xfrm>
-          <a:prstGeom prst="rect">
-            <a:avLst/>
-          </a:prstGeom>
-          <a:solidFill>
-            <a:schemeClr val="tx2">
-              <a:lumMod val="20000"/>
-              <a:lumOff val="80000"/>
-            </a:schemeClr>
-          </a:solidFill>
-          <a:ln w="38100">
-            <a:solidFill>
-              <a:schemeClr val="tx2">
-                <a:lumMod val="75000"/>
-              </a:schemeClr>
-            </a:solidFill>
-          </a:ln>
-        </p:spPr>
-        <p:style>
-          <a:lnRef idx="2">
-            <a:schemeClr val="accent1">
-              <a:shade val="50000"/>
-            </a:schemeClr>
-          </a:lnRef>
-          <a:fillRef idx="1">
-            <a:schemeClr val="accent1"/>
-          </a:fillRef>
-          <a:effectRef idx="0">
-            <a:schemeClr val="accent1"/>
-          </a:effectRef>
-          <a:fontRef idx="minor">
-            <a:schemeClr val="lt1"/>
-          </a:fontRef>
-        </p:style>
-        <p:txBody>
-          <a:bodyPr rtlCol="0" anchor="ctr"/>
-          <a:lstStyle/>
-          <a:p>
-            <a:pPr algn="ctr"/>
-            <a:endParaRPr lang="it-IT"/>
-          </a:p>
-        </p:txBody>
-      </p:sp>
-      <p:sp>
-        <p:nvSpPr>
-          <p:cNvPr id="128" name="Rettangolo 127">
-            <a:extLst>
-              <a:ext uri="{FF2B5EF4-FFF2-40B4-BE49-F238E27FC236}">
-                <a16:creationId xmlns:a16="http://schemas.microsoft.com/office/drawing/2014/main" id="{7AEE60E9-7EB9-4148-81DA-D7C6D75E4124}"/>
-              </a:ext>
-            </a:extLst>
-          </p:cNvPr>
-          <p:cNvSpPr/>
-          <p:nvPr/>
-        </p:nvSpPr>
-        <p:spPr>
-          <a:xfrm>
-            <a:off x="7505075" y="1087876"/>
-            <a:ext cx="562457" cy="626455"/>
-          </a:xfrm>
-          <a:prstGeom prst="rect">
-            <a:avLst/>
-          </a:prstGeom>
-          <a:solidFill>
-            <a:schemeClr val="tx2">
-              <a:lumMod val="20000"/>
-              <a:lumOff val="80000"/>
-            </a:schemeClr>
-          </a:solidFill>
-          <a:ln w="38100">
-            <a:solidFill>
-              <a:schemeClr val="tx2">
-                <a:lumMod val="75000"/>
-              </a:schemeClr>
-            </a:solidFill>
-          </a:ln>
-        </p:spPr>
-        <p:style>
-          <a:lnRef idx="2">
-            <a:schemeClr val="accent1">
-              <a:shade val="50000"/>
-            </a:schemeClr>
-          </a:lnRef>
-          <a:fillRef idx="1">
-            <a:schemeClr val="accent1"/>
-          </a:fillRef>
-          <a:effectRef idx="0">
-            <a:schemeClr val="accent1"/>
-          </a:effectRef>
-          <a:fontRef idx="minor">
-            <a:schemeClr val="lt1"/>
-          </a:fontRef>
-        </p:style>
-        <p:txBody>
-          <a:bodyPr rtlCol="0" anchor="ctr"/>
-          <a:lstStyle/>
-          <a:p>
-            <a:pPr algn="ctr"/>
-            <a:endParaRPr lang="it-IT"/>
-          </a:p>
-        </p:txBody>
-      </p:sp>
-      <p:sp>
-        <p:nvSpPr>
-          <p:cNvPr id="130" name="Rettangolo 129">
-            <a:extLst>
-              <a:ext uri="{FF2B5EF4-FFF2-40B4-BE49-F238E27FC236}">
-                <a16:creationId xmlns:a16="http://schemas.microsoft.com/office/drawing/2014/main" id="{C17EE7F2-7479-C441-AC92-8ADC31C164A0}"/>
-              </a:ext>
-            </a:extLst>
-          </p:cNvPr>
-          <p:cNvSpPr/>
-          <p:nvPr/>
-        </p:nvSpPr>
-        <p:spPr>
-          <a:xfrm>
-            <a:off x="8467903" y="2625030"/>
-            <a:ext cx="441039" cy="324670"/>
-          </a:xfrm>
-          <a:prstGeom prst="rect">
-            <a:avLst/>
-          </a:prstGeom>
-          <a:solidFill>
-            <a:schemeClr val="tx2">
-              <a:lumMod val="20000"/>
-              <a:lumOff val="80000"/>
-            </a:schemeClr>
-          </a:solidFill>
-          <a:ln w="38100">
-            <a:solidFill>
-              <a:schemeClr val="tx2">
-                <a:lumMod val="75000"/>
-              </a:schemeClr>
-            </a:solidFill>
-          </a:ln>
-        </p:spPr>
-        <p:style>
-          <a:lnRef idx="2">
-            <a:schemeClr val="accent1">
-              <a:shade val="50000"/>
-            </a:schemeClr>
-          </a:lnRef>
-          <a:fillRef idx="1">
-            <a:schemeClr val="accent1"/>
-          </a:fillRef>
-          <a:effectRef idx="0">
-            <a:schemeClr val="accent1"/>
-          </a:effectRef>
-          <a:fontRef idx="minor">
-            <a:schemeClr val="lt1"/>
-          </a:fontRef>
-        </p:style>
-        <p:txBody>
-          <a:bodyPr rtlCol="0" anchor="ctr"/>
-          <a:lstStyle/>
-          <a:p>
-            <a:pPr algn="ctr"/>
-            <a:endParaRPr lang="it-IT"/>
-          </a:p>
-        </p:txBody>
-      </p:sp>
-      <p:sp>
-        <p:nvSpPr>
-          <p:cNvPr id="131" name="Rettangolo 130">
-            <a:extLst>
-              <a:ext uri="{FF2B5EF4-FFF2-40B4-BE49-F238E27FC236}">
-                <a16:creationId xmlns:a16="http://schemas.microsoft.com/office/drawing/2014/main" id="{8A04EFF6-BE92-EF4E-8DBF-999A2E316ECB}"/>
-              </a:ext>
-            </a:extLst>
-          </p:cNvPr>
-          <p:cNvSpPr/>
-          <p:nvPr/>
-        </p:nvSpPr>
-        <p:spPr>
-          <a:xfrm>
-            <a:off x="8907660" y="2625030"/>
-            <a:ext cx="752448" cy="324670"/>
-          </a:xfrm>
-          <a:prstGeom prst="rect">
-            <a:avLst/>
-          </a:prstGeom>
-          <a:solidFill>
-            <a:schemeClr val="tx2">
-              <a:lumMod val="20000"/>
-              <a:lumOff val="80000"/>
-            </a:schemeClr>
-          </a:solidFill>
-          <a:ln w="38100">
-            <a:solidFill>
-              <a:schemeClr val="tx2">
-                <a:lumMod val="75000"/>
-              </a:schemeClr>
-            </a:solidFill>
-          </a:ln>
-        </p:spPr>
-        <p:style>
-          <a:lnRef idx="2">
-            <a:schemeClr val="accent1">
-              <a:shade val="50000"/>
-            </a:schemeClr>
-          </a:lnRef>
-          <a:fillRef idx="1">
-            <a:schemeClr val="accent1"/>
-          </a:fillRef>
-          <a:effectRef idx="0">
-            <a:schemeClr val="accent1"/>
-          </a:effectRef>
-          <a:fontRef idx="minor">
-            <a:schemeClr val="lt1"/>
-          </a:fontRef>
-        </p:style>
-        <p:txBody>
-          <a:bodyPr rtlCol="0" anchor="ctr"/>
-          <a:lstStyle/>
-          <a:p>
-            <a:pPr algn="ctr"/>
-            <a:endParaRPr lang="it-IT"/>
-          </a:p>
-        </p:txBody>
-      </p:sp>
-      <p:sp>
-        <p:nvSpPr>
-          <p:cNvPr id="132" name="Rettangolo 131">
-            <a:extLst>
-              <a:ext uri="{FF2B5EF4-FFF2-40B4-BE49-F238E27FC236}">
-                <a16:creationId xmlns:a16="http://schemas.microsoft.com/office/drawing/2014/main" id="{EAED040D-B00D-CB43-AA24-DCE38208F53F}"/>
-              </a:ext>
-            </a:extLst>
-          </p:cNvPr>
-          <p:cNvSpPr/>
-          <p:nvPr/>
-        </p:nvSpPr>
-        <p:spPr>
-          <a:xfrm>
-            <a:off x="9654111" y="2625030"/>
-            <a:ext cx="272756" cy="324670"/>
-          </a:xfrm>
-          <a:prstGeom prst="rect">
-            <a:avLst/>
-          </a:prstGeom>
-          <a:solidFill>
-            <a:schemeClr val="tx2">
-              <a:lumMod val="20000"/>
-              <a:lumOff val="80000"/>
-            </a:schemeClr>
-          </a:solidFill>
-          <a:ln w="38100">
-            <a:solidFill>
-              <a:schemeClr val="tx2">
-                <a:lumMod val="75000"/>
-              </a:schemeClr>
-            </a:solidFill>
-          </a:ln>
-        </p:spPr>
-        <p:style>
-          <a:lnRef idx="2">
-            <a:schemeClr val="accent1">
-              <a:shade val="50000"/>
-            </a:schemeClr>
-          </a:lnRef>
-          <a:fillRef idx="1">
-            <a:schemeClr val="accent1"/>
-          </a:fillRef>
-          <a:effectRef idx="0">
-            <a:schemeClr val="accent1"/>
-          </a:effectRef>
-          <a:fontRef idx="minor">
-            <a:schemeClr val="lt1"/>
-          </a:fontRef>
-        </p:style>
-        <p:txBody>
-          <a:bodyPr rtlCol="0" anchor="ctr"/>
-          <a:lstStyle/>
-          <a:p>
-            <a:pPr algn="ctr"/>
-            <a:endParaRPr lang="it-IT"/>
-          </a:p>
-        </p:txBody>
-      </p:sp>
-      <p:sp>
-        <p:nvSpPr>
-          <p:cNvPr id="133" name="Rettangolo 132">
-            <a:extLst>
-              <a:ext uri="{FF2B5EF4-FFF2-40B4-BE49-F238E27FC236}">
-                <a16:creationId xmlns:a16="http://schemas.microsoft.com/office/drawing/2014/main" id="{E1DEA9E3-5B6F-0F41-8F3C-B53BEBCAA809}"/>
-              </a:ext>
-            </a:extLst>
-          </p:cNvPr>
-          <p:cNvSpPr/>
-          <p:nvPr/>
-        </p:nvSpPr>
-        <p:spPr>
-          <a:xfrm>
-            <a:off x="9937628" y="2620798"/>
-            <a:ext cx="272756" cy="324670"/>
-          </a:xfrm>
-          <a:prstGeom prst="rect">
-            <a:avLst/>
-          </a:prstGeom>
-          <a:solidFill>
-            <a:schemeClr val="tx2">
-              <a:lumMod val="20000"/>
-              <a:lumOff val="80000"/>
-            </a:schemeClr>
-          </a:solidFill>
-          <a:ln w="38100">
-            <a:solidFill>
-              <a:schemeClr val="tx2">
-                <a:lumMod val="75000"/>
-              </a:schemeClr>
-            </a:solidFill>
-          </a:ln>
-        </p:spPr>
-        <p:style>
-          <a:lnRef idx="2">
-            <a:schemeClr val="accent1">
-              <a:shade val="50000"/>
-            </a:schemeClr>
-          </a:lnRef>
-          <a:fillRef idx="1">
-            <a:schemeClr val="accent1"/>
-          </a:fillRef>
-          <a:effectRef idx="0">
-            <a:schemeClr val="accent1"/>
-          </a:effectRef>
-          <a:fontRef idx="minor">
-            <a:schemeClr val="lt1"/>
-          </a:fontRef>
-        </p:style>
-        <p:txBody>
-          <a:bodyPr rtlCol="0" anchor="ctr"/>
-          <a:lstStyle/>
-          <a:p>
-            <a:pPr algn="ctr"/>
-            <a:endParaRPr lang="it-IT"/>
-          </a:p>
-        </p:txBody>
-      </p:sp>
-      <p:sp>
-        <p:nvSpPr>
-          <p:cNvPr id="134" name="Rettangolo 133">
-            <a:extLst>
-              <a:ext uri="{FF2B5EF4-FFF2-40B4-BE49-F238E27FC236}">
-                <a16:creationId xmlns:a16="http://schemas.microsoft.com/office/drawing/2014/main" id="{16238D71-90F4-144A-885B-135113DA1D1B}"/>
-              </a:ext>
-            </a:extLst>
-          </p:cNvPr>
-          <p:cNvSpPr/>
-          <p:nvPr/>
-        </p:nvSpPr>
-        <p:spPr>
-          <a:xfrm>
-            <a:off x="10211496" y="2625030"/>
-            <a:ext cx="272756" cy="324670"/>
-          </a:xfrm>
-          <a:prstGeom prst="rect">
-            <a:avLst/>
-          </a:prstGeom>
-          <a:solidFill>
-            <a:schemeClr val="tx2">
-              <a:lumMod val="20000"/>
-              <a:lumOff val="80000"/>
-            </a:schemeClr>
-          </a:solidFill>
-          <a:ln w="38100">
-            <a:solidFill>
-              <a:schemeClr val="tx2">
-                <a:lumMod val="75000"/>
-              </a:schemeClr>
-            </a:solidFill>
-          </a:ln>
-        </p:spPr>
-        <p:style>
-          <a:lnRef idx="2">
-            <a:schemeClr val="accent1">
-              <a:shade val="50000"/>
-            </a:schemeClr>
-          </a:lnRef>
-          <a:fillRef idx="1">
-            <a:schemeClr val="accent1"/>
-          </a:fillRef>
-          <a:effectRef idx="0">
-            <a:schemeClr val="accent1"/>
-          </a:effectRef>
-          <a:fontRef idx="minor">
-            <a:schemeClr val="lt1"/>
-          </a:fontRef>
-        </p:style>
-        <p:txBody>
-          <a:bodyPr rtlCol="0" anchor="ctr"/>
-          <a:lstStyle/>
-          <a:p>
-            <a:pPr algn="ctr"/>
-            <a:endParaRPr lang="it-IT"/>
-          </a:p>
-        </p:txBody>
-      </p:sp>
-      <p:sp>
-        <p:nvSpPr>
-          <p:cNvPr id="135" name="Rettangolo 134">
-            <a:extLst>
-              <a:ext uri="{FF2B5EF4-FFF2-40B4-BE49-F238E27FC236}">
-                <a16:creationId xmlns:a16="http://schemas.microsoft.com/office/drawing/2014/main" id="{E4782538-74CB-B246-87ED-7D27979A5C6E}"/>
-              </a:ext>
-            </a:extLst>
-          </p:cNvPr>
-          <p:cNvSpPr/>
-          <p:nvPr/>
-        </p:nvSpPr>
-        <p:spPr>
-          <a:xfrm>
-            <a:off x="8475575" y="1085821"/>
-            <a:ext cx="441039" cy="324670"/>
-          </a:xfrm>
-          <a:prstGeom prst="rect">
-            <a:avLst/>
-          </a:prstGeom>
-          <a:solidFill>
-            <a:schemeClr val="tx2">
-              <a:lumMod val="20000"/>
-              <a:lumOff val="80000"/>
-            </a:schemeClr>
-          </a:solidFill>
-          <a:ln w="38100">
-            <a:solidFill>
-              <a:schemeClr val="tx2">
-                <a:lumMod val="75000"/>
-              </a:schemeClr>
-            </a:solidFill>
-          </a:ln>
-        </p:spPr>
-        <p:style>
-          <a:lnRef idx="2">
-            <a:schemeClr val="accent1">
-              <a:shade val="50000"/>
-            </a:schemeClr>
-          </a:lnRef>
-          <a:fillRef idx="1">
-            <a:schemeClr val="accent1"/>
-          </a:fillRef>
-          <a:effectRef idx="0">
-            <a:schemeClr val="accent1"/>
-          </a:effectRef>
-          <a:fontRef idx="minor">
-            <a:schemeClr val="lt1"/>
-          </a:fontRef>
-        </p:style>
-        <p:txBody>
-          <a:bodyPr rtlCol="0" anchor="ctr"/>
-          <a:lstStyle/>
-          <a:p>
-            <a:pPr algn="ctr"/>
-            <a:endParaRPr lang="it-IT"/>
-          </a:p>
-        </p:txBody>
-      </p:sp>
-      <p:sp>
-        <p:nvSpPr>
-          <p:cNvPr id="136" name="Rettangolo 135">
-            <a:extLst>
-              <a:ext uri="{FF2B5EF4-FFF2-40B4-BE49-F238E27FC236}">
-                <a16:creationId xmlns:a16="http://schemas.microsoft.com/office/drawing/2014/main" id="{F2BB0C6E-A7F5-2C4C-892A-E08B0E623F9E}"/>
-              </a:ext>
-            </a:extLst>
-          </p:cNvPr>
-          <p:cNvSpPr/>
-          <p:nvPr/>
-        </p:nvSpPr>
-        <p:spPr>
-          <a:xfrm>
-            <a:off x="8915332" y="1085821"/>
-            <a:ext cx="752448" cy="324670"/>
-          </a:xfrm>
-          <a:prstGeom prst="rect">
-            <a:avLst/>
-          </a:prstGeom>
-          <a:solidFill>
-            <a:schemeClr val="tx2">
-              <a:lumMod val="20000"/>
-              <a:lumOff val="80000"/>
-            </a:schemeClr>
-          </a:solidFill>
-          <a:ln w="38100">
-            <a:solidFill>
-              <a:schemeClr val="tx2">
-                <a:lumMod val="75000"/>
-              </a:schemeClr>
-            </a:solidFill>
-          </a:ln>
-        </p:spPr>
-        <p:style>
-          <a:lnRef idx="2">
-            <a:schemeClr val="accent1">
-              <a:shade val="50000"/>
-            </a:schemeClr>
-          </a:lnRef>
-          <a:fillRef idx="1">
-            <a:schemeClr val="accent1"/>
-          </a:fillRef>
-          <a:effectRef idx="0">
-            <a:schemeClr val="accent1"/>
-          </a:effectRef>
-          <a:fontRef idx="minor">
-            <a:schemeClr val="lt1"/>
-          </a:fontRef>
-        </p:style>
-        <p:txBody>
-          <a:bodyPr rtlCol="0" anchor="ctr"/>
-          <a:lstStyle/>
-          <a:p>
-            <a:pPr algn="ctr"/>
-            <a:endParaRPr lang="it-IT"/>
-          </a:p>
-        </p:txBody>
-      </p:sp>
-      <p:sp>
-        <p:nvSpPr>
-          <p:cNvPr id="137" name="Rettangolo 136">
-            <a:extLst>
-              <a:ext uri="{FF2B5EF4-FFF2-40B4-BE49-F238E27FC236}">
-                <a16:creationId xmlns:a16="http://schemas.microsoft.com/office/drawing/2014/main" id="{169C4B4E-E720-674F-BB35-E28368E94895}"/>
-              </a:ext>
-            </a:extLst>
-          </p:cNvPr>
-          <p:cNvSpPr/>
-          <p:nvPr/>
-        </p:nvSpPr>
-        <p:spPr>
-          <a:xfrm>
-            <a:off x="9661783" y="1085821"/>
-            <a:ext cx="272756" cy="324670"/>
-          </a:xfrm>
-          <a:prstGeom prst="rect">
-            <a:avLst/>
-          </a:prstGeom>
-          <a:solidFill>
-            <a:schemeClr val="tx2">
-              <a:lumMod val="20000"/>
-              <a:lumOff val="80000"/>
-            </a:schemeClr>
-          </a:solidFill>
-          <a:ln w="38100">
-            <a:solidFill>
-              <a:schemeClr val="tx2">
-                <a:lumMod val="75000"/>
-              </a:schemeClr>
-            </a:solidFill>
-          </a:ln>
-        </p:spPr>
-        <p:style>
-          <a:lnRef idx="2">
-            <a:schemeClr val="accent1">
-              <a:shade val="50000"/>
-            </a:schemeClr>
-          </a:lnRef>
-          <a:fillRef idx="1">
-            <a:schemeClr val="accent1"/>
-          </a:fillRef>
-          <a:effectRef idx="0">
-            <a:schemeClr val="accent1"/>
-          </a:effectRef>
-          <a:fontRef idx="minor">
-            <a:schemeClr val="lt1"/>
-          </a:fontRef>
-        </p:style>
-        <p:txBody>
-          <a:bodyPr rtlCol="0" anchor="ctr"/>
-          <a:lstStyle/>
-          <a:p>
-            <a:pPr algn="ctr"/>
-            <a:endParaRPr lang="it-IT"/>
-          </a:p>
-        </p:txBody>
-      </p:sp>
-      <p:sp>
-        <p:nvSpPr>
-          <p:cNvPr id="138" name="Rettangolo 137">
-            <a:extLst>
-              <a:ext uri="{FF2B5EF4-FFF2-40B4-BE49-F238E27FC236}">
-                <a16:creationId xmlns:a16="http://schemas.microsoft.com/office/drawing/2014/main" id="{521B1F7D-9624-C04F-9D7D-D0BA631CEB3E}"/>
-              </a:ext>
-            </a:extLst>
-          </p:cNvPr>
-          <p:cNvSpPr/>
-          <p:nvPr/>
-        </p:nvSpPr>
-        <p:spPr>
-          <a:xfrm>
-            <a:off x="9937743" y="1089146"/>
-            <a:ext cx="272756" cy="324670"/>
-          </a:xfrm>
-          <a:prstGeom prst="rect">
-            <a:avLst/>
-          </a:prstGeom>
-          <a:solidFill>
-            <a:schemeClr val="tx2">
-              <a:lumMod val="20000"/>
-              <a:lumOff val="80000"/>
-            </a:schemeClr>
-          </a:solidFill>
-          <a:ln w="38100">
-            <a:solidFill>
-              <a:schemeClr val="tx2">
-                <a:lumMod val="75000"/>
-              </a:schemeClr>
-            </a:solidFill>
-          </a:ln>
-        </p:spPr>
-        <p:style>
-          <a:lnRef idx="2">
-            <a:schemeClr val="accent1">
-              <a:shade val="50000"/>
-            </a:schemeClr>
-          </a:lnRef>
-          <a:fillRef idx="1">
-            <a:schemeClr val="accent1"/>
-          </a:fillRef>
-          <a:effectRef idx="0">
-            <a:schemeClr val="accent1"/>
-          </a:effectRef>
-          <a:fontRef idx="minor">
-            <a:schemeClr val="lt1"/>
-          </a:fontRef>
-        </p:style>
-        <p:txBody>
-          <a:bodyPr rtlCol="0" anchor="ctr"/>
-          <a:lstStyle/>
-          <a:p>
-            <a:pPr algn="ctr"/>
-            <a:endParaRPr lang="it-IT"/>
-          </a:p>
-        </p:txBody>
-      </p:sp>
-      <p:sp>
-        <p:nvSpPr>
-          <p:cNvPr id="139" name="Rettangolo 138">
-            <a:extLst>
-              <a:ext uri="{FF2B5EF4-FFF2-40B4-BE49-F238E27FC236}">
-                <a16:creationId xmlns:a16="http://schemas.microsoft.com/office/drawing/2014/main" id="{7043028A-C60D-D646-80D3-2F574D14A3C1}"/>
-              </a:ext>
-            </a:extLst>
-          </p:cNvPr>
-          <p:cNvSpPr/>
-          <p:nvPr/>
-        </p:nvSpPr>
-        <p:spPr>
-          <a:xfrm>
-            <a:off x="10211611" y="1085821"/>
-            <a:ext cx="272756" cy="324670"/>
-          </a:xfrm>
-          <a:prstGeom prst="rect">
-            <a:avLst/>
-          </a:prstGeom>
-          <a:solidFill>
-            <a:schemeClr val="tx2">
-              <a:lumMod val="20000"/>
-              <a:lumOff val="80000"/>
-            </a:schemeClr>
-          </a:solidFill>
-          <a:ln w="38100">
-            <a:solidFill>
-              <a:schemeClr val="tx2">
-                <a:lumMod val="75000"/>
-              </a:schemeClr>
-            </a:solidFill>
-          </a:ln>
-        </p:spPr>
-        <p:style>
-          <a:lnRef idx="2">
-            <a:schemeClr val="accent1">
-              <a:shade val="50000"/>
-            </a:schemeClr>
-          </a:lnRef>
-          <a:fillRef idx="1">
-            <a:schemeClr val="accent1"/>
-          </a:fillRef>
-          <a:effectRef idx="0">
-            <a:schemeClr val="accent1"/>
-          </a:effectRef>
-          <a:fontRef idx="minor">
-            <a:schemeClr val="lt1"/>
-          </a:fontRef>
-        </p:style>
-        <p:txBody>
-          <a:bodyPr rtlCol="0" anchor="ctr"/>
-          <a:lstStyle/>
-          <a:p>
-            <a:pPr algn="ctr"/>
-            <a:endParaRPr lang="it-IT"/>
-          </a:p>
-        </p:txBody>
-      </p:sp>
-      <p:sp>
-        <p:nvSpPr>
-          <p:cNvPr id="140" name="Rettangolo 139">
-            <a:extLst>
-              <a:ext uri="{FF2B5EF4-FFF2-40B4-BE49-F238E27FC236}">
-                <a16:creationId xmlns:a16="http://schemas.microsoft.com/office/drawing/2014/main" id="{497B7B2E-08B3-D540-995D-9101D5EFBC60}"/>
-              </a:ext>
-            </a:extLst>
-          </p:cNvPr>
-          <p:cNvSpPr/>
-          <p:nvPr/>
-        </p:nvSpPr>
-        <p:spPr>
-          <a:xfrm>
-            <a:off x="10799509" y="1392187"/>
-            <a:ext cx="366688" cy="324670"/>
-          </a:xfrm>
-          <a:prstGeom prst="rect">
-            <a:avLst/>
-          </a:prstGeom>
-          <a:solidFill>
-            <a:schemeClr val="tx2">
-              <a:lumMod val="20000"/>
-              <a:lumOff val="80000"/>
-            </a:schemeClr>
-          </a:solidFill>
-          <a:ln w="38100">
-            <a:solidFill>
-              <a:schemeClr val="tx2">
-                <a:lumMod val="75000"/>
-              </a:schemeClr>
-            </a:solidFill>
-          </a:ln>
-        </p:spPr>
-        <p:style>
-          <a:lnRef idx="2">
-            <a:schemeClr val="accent1">
-              <a:shade val="50000"/>
-            </a:schemeClr>
-          </a:lnRef>
-          <a:fillRef idx="1">
-            <a:schemeClr val="accent1"/>
-          </a:fillRef>
-          <a:effectRef idx="0">
-            <a:schemeClr val="accent1"/>
-          </a:effectRef>
-          <a:fontRef idx="minor">
-            <a:schemeClr val="lt1"/>
-          </a:fontRef>
-        </p:style>
-        <p:txBody>
-          <a:bodyPr rtlCol="0" anchor="ctr"/>
-          <a:lstStyle/>
-          <a:p>
-            <a:pPr algn="ctr"/>
-            <a:endParaRPr lang="it-IT"/>
-          </a:p>
-        </p:txBody>
-      </p:sp>
-      <p:sp>
-        <p:nvSpPr>
-          <p:cNvPr id="141" name="Rettangolo 140">
-            <a:extLst>
-              <a:ext uri="{FF2B5EF4-FFF2-40B4-BE49-F238E27FC236}">
-                <a16:creationId xmlns:a16="http://schemas.microsoft.com/office/drawing/2014/main" id="{CC2E0BBB-120C-D34C-A337-57224CB51879}"/>
-              </a:ext>
-            </a:extLst>
-          </p:cNvPr>
-          <p:cNvSpPr/>
-          <p:nvPr/>
-        </p:nvSpPr>
-        <p:spPr>
-          <a:xfrm>
-            <a:off x="10799509" y="1715815"/>
-            <a:ext cx="366688" cy="324670"/>
-          </a:xfrm>
-          <a:prstGeom prst="rect">
-            <a:avLst/>
-          </a:prstGeom>
-          <a:solidFill>
-            <a:schemeClr val="tx2">
-              <a:lumMod val="20000"/>
-              <a:lumOff val="80000"/>
-            </a:schemeClr>
-          </a:solidFill>
-          <a:ln w="38100">
-            <a:solidFill>
-              <a:schemeClr val="tx2">
-                <a:lumMod val="75000"/>
-              </a:schemeClr>
-            </a:solidFill>
-          </a:ln>
-        </p:spPr>
-        <p:style>
-          <a:lnRef idx="2">
-            <a:schemeClr val="accent1">
-              <a:shade val="50000"/>
-            </a:schemeClr>
-          </a:lnRef>
-          <a:fillRef idx="1">
-            <a:schemeClr val="accent1"/>
-          </a:fillRef>
-          <a:effectRef idx="0">
-            <a:schemeClr val="accent1"/>
-          </a:effectRef>
-          <a:fontRef idx="minor">
-            <a:schemeClr val="lt1"/>
-          </a:fontRef>
-        </p:style>
-        <p:txBody>
-          <a:bodyPr rtlCol="0" anchor="ctr"/>
-          <a:lstStyle/>
-          <a:p>
-            <a:pPr algn="ctr"/>
-            <a:endParaRPr lang="it-IT"/>
           </a:p>
         </p:txBody>
       </p:sp>

--- a/assets/img/map.pptx
+++ b/assets/img/map.pptx
@@ -197,7 +197,7 @@
           <a:p>
             <a:fld id="{9951BB39-A2A0-D945-A1E2-F50BEE2BDDCC}" type="datetimeFigureOut">
               <a:rPr lang="it-IT" smtClean="0"/>
-              <a:t>25/02/2023</a:t>
+              <a:t>07/03/2023</a:t>
             </a:fld>
             <a:endParaRPr lang="it-IT"/>
           </a:p>
@@ -679,7 +679,7 @@
           <a:p>
             <a:fld id="{E087C00B-4A7C-FD49-9539-382FB6D91E34}" type="datetimeFigureOut">
               <a:rPr lang="it-IT" smtClean="0"/>
-              <a:t>25/02/2023</a:t>
+              <a:t>07/03/2023</a:t>
             </a:fld>
             <a:endParaRPr lang="it-IT"/>
           </a:p>
@@ -849,7 +849,7 @@
           <a:p>
             <a:fld id="{E087C00B-4A7C-FD49-9539-382FB6D91E34}" type="datetimeFigureOut">
               <a:rPr lang="it-IT" smtClean="0"/>
-              <a:t>25/02/2023</a:t>
+              <a:t>07/03/2023</a:t>
             </a:fld>
             <a:endParaRPr lang="it-IT"/>
           </a:p>
@@ -1029,7 +1029,7 @@
           <a:p>
             <a:fld id="{E087C00B-4A7C-FD49-9539-382FB6D91E34}" type="datetimeFigureOut">
               <a:rPr lang="it-IT" smtClean="0"/>
-              <a:t>25/02/2023</a:t>
+              <a:t>07/03/2023</a:t>
             </a:fld>
             <a:endParaRPr lang="it-IT"/>
           </a:p>
@@ -1199,7 +1199,7 @@
           <a:p>
             <a:fld id="{E087C00B-4A7C-FD49-9539-382FB6D91E34}" type="datetimeFigureOut">
               <a:rPr lang="it-IT" smtClean="0"/>
-              <a:t>25/02/2023</a:t>
+              <a:t>07/03/2023</a:t>
             </a:fld>
             <a:endParaRPr lang="it-IT"/>
           </a:p>
@@ -1445,7 +1445,7 @@
           <a:p>
             <a:fld id="{E087C00B-4A7C-FD49-9539-382FB6D91E34}" type="datetimeFigureOut">
               <a:rPr lang="it-IT" smtClean="0"/>
-              <a:t>25/02/2023</a:t>
+              <a:t>07/03/2023</a:t>
             </a:fld>
             <a:endParaRPr lang="it-IT"/>
           </a:p>
@@ -1677,7 +1677,7 @@
           <a:p>
             <a:fld id="{E087C00B-4A7C-FD49-9539-382FB6D91E34}" type="datetimeFigureOut">
               <a:rPr lang="it-IT" smtClean="0"/>
-              <a:t>25/02/2023</a:t>
+              <a:t>07/03/2023</a:t>
             </a:fld>
             <a:endParaRPr lang="it-IT"/>
           </a:p>
@@ -2044,7 +2044,7 @@
           <a:p>
             <a:fld id="{E087C00B-4A7C-FD49-9539-382FB6D91E34}" type="datetimeFigureOut">
               <a:rPr lang="it-IT" smtClean="0"/>
-              <a:t>25/02/2023</a:t>
+              <a:t>07/03/2023</a:t>
             </a:fld>
             <a:endParaRPr lang="it-IT"/>
           </a:p>
@@ -2162,7 +2162,7 @@
           <a:p>
             <a:fld id="{E087C00B-4A7C-FD49-9539-382FB6D91E34}" type="datetimeFigureOut">
               <a:rPr lang="it-IT" smtClean="0"/>
-              <a:t>25/02/2023</a:t>
+              <a:t>07/03/2023</a:t>
             </a:fld>
             <a:endParaRPr lang="it-IT"/>
           </a:p>
@@ -2257,7 +2257,7 @@
           <a:p>
             <a:fld id="{E087C00B-4A7C-FD49-9539-382FB6D91E34}" type="datetimeFigureOut">
               <a:rPr lang="it-IT" smtClean="0"/>
-              <a:t>25/02/2023</a:t>
+              <a:t>07/03/2023</a:t>
             </a:fld>
             <a:endParaRPr lang="it-IT"/>
           </a:p>
@@ -2534,7 +2534,7 @@
           <a:p>
             <a:fld id="{E087C00B-4A7C-FD49-9539-382FB6D91E34}" type="datetimeFigureOut">
               <a:rPr lang="it-IT" smtClean="0"/>
-              <a:t>25/02/2023</a:t>
+              <a:t>07/03/2023</a:t>
             </a:fld>
             <a:endParaRPr lang="it-IT"/>
           </a:p>
@@ -2791,7 +2791,7 @@
           <a:p>
             <a:fld id="{E087C00B-4A7C-FD49-9539-382FB6D91E34}" type="datetimeFigureOut">
               <a:rPr lang="it-IT" smtClean="0"/>
-              <a:t>25/02/2023</a:t>
+              <a:t>07/03/2023</a:t>
             </a:fld>
             <a:endParaRPr lang="it-IT"/>
           </a:p>
@@ -3004,7 +3004,7 @@
           <a:p>
             <a:fld id="{E087C00B-4A7C-FD49-9539-382FB6D91E34}" type="datetimeFigureOut">
               <a:rPr lang="it-IT" smtClean="0"/>
-              <a:t>25/02/2023</a:t>
+              <a:t>07/03/2023</a:t>
             </a:fld>
             <a:endParaRPr lang="it-IT"/>
           </a:p>
@@ -7308,7 +7308,7 @@
         <p:spPr>
           <a:xfrm>
             <a:off x="11094972" y="3160086"/>
-            <a:ext cx="340066" cy="702803"/>
+            <a:ext cx="279462" cy="702803"/>
           </a:xfrm>
           <a:prstGeom prst="rect">
             <a:avLst/>
